--- a/lectures/EEG 02 narrow.pptx
+++ b/lectures/EEG 02 narrow.pptx
@@ -8,26 +8,29 @@
     <p:sldId id="256" r:id="rId2"/>
     <p:sldId id="291" r:id="rId3"/>
     <p:sldId id="306" r:id="rId4"/>
-    <p:sldId id="305" r:id="rId5"/>
+    <p:sldId id="307" r:id="rId5"/>
     <p:sldId id="304" r:id="rId6"/>
-    <p:sldId id="292" r:id="rId7"/>
-    <p:sldId id="293" r:id="rId8"/>
-    <p:sldId id="295" r:id="rId9"/>
-    <p:sldId id="296" r:id="rId10"/>
-    <p:sldId id="279" r:id="rId11"/>
-    <p:sldId id="280" r:id="rId12"/>
-    <p:sldId id="281" r:id="rId13"/>
-    <p:sldId id="294" r:id="rId14"/>
-    <p:sldId id="286" r:id="rId15"/>
-    <p:sldId id="303" r:id="rId16"/>
-    <p:sldId id="297" r:id="rId17"/>
-    <p:sldId id="298" r:id="rId18"/>
-    <p:sldId id="299" r:id="rId19"/>
-    <p:sldId id="300" r:id="rId20"/>
-    <p:sldId id="301" r:id="rId21"/>
-    <p:sldId id="302" r:id="rId22"/>
-    <p:sldId id="278" r:id="rId23"/>
-    <p:sldId id="282" r:id="rId24"/>
+    <p:sldId id="308" r:id="rId7"/>
+    <p:sldId id="292" r:id="rId8"/>
+    <p:sldId id="293" r:id="rId9"/>
+    <p:sldId id="295" r:id="rId10"/>
+    <p:sldId id="296" r:id="rId11"/>
+    <p:sldId id="310" r:id="rId12"/>
+    <p:sldId id="309" r:id="rId13"/>
+    <p:sldId id="279" r:id="rId14"/>
+    <p:sldId id="280" r:id="rId15"/>
+    <p:sldId id="281" r:id="rId16"/>
+    <p:sldId id="294" r:id="rId17"/>
+    <p:sldId id="286" r:id="rId18"/>
+    <p:sldId id="303" r:id="rId19"/>
+    <p:sldId id="297" r:id="rId20"/>
+    <p:sldId id="298" r:id="rId21"/>
+    <p:sldId id="299" r:id="rId22"/>
+    <p:sldId id="300" r:id="rId23"/>
+    <p:sldId id="301" r:id="rId24"/>
+    <p:sldId id="302" r:id="rId25"/>
+    <p:sldId id="278" r:id="rId26"/>
+    <p:sldId id="282" r:id="rId27"/>
   </p:sldIdLst>
   <p:sldSz cx="9144000" cy="6858000" type="screen4x3"/>
   <p:notesSz cx="6858000" cy="9144000"/>
@@ -334,7 +337,7 @@
             <a:fld id="{B61BEF0D-F0BB-DE4B-95CE-6DB70DBA9567}" type="datetimeFigureOut">
               <a:rPr lang="en-US" smtClean="0"/>
               <a:pPr/>
-              <a:t>4/24/2015</a:t>
+              <a:t>5/11/2015</a:t>
             </a:fld>
             <a:endParaRPr lang="en-US" dirty="0"/>
           </a:p>
@@ -668,7 +671,7 @@
             <a:fld id="{B61BEF0D-F0BB-DE4B-95CE-6DB70DBA9567}" type="datetimeFigureOut">
               <a:rPr lang="en-US" smtClean="0"/>
               <a:pPr/>
-              <a:t>4/24/2015</a:t>
+              <a:t>5/11/2015</a:t>
             </a:fld>
             <a:endParaRPr lang="en-US" dirty="0"/>
           </a:p>
@@ -1069,7 +1072,7 @@
             <a:fld id="{B61BEF0D-F0BB-DE4B-95CE-6DB70DBA9567}" type="datetimeFigureOut">
               <a:rPr lang="en-US" smtClean="0"/>
               <a:pPr/>
-              <a:t>4/24/2015</a:t>
+              <a:t>5/11/2015</a:t>
             </a:fld>
             <a:endParaRPr lang="en-US" dirty="0"/>
           </a:p>
@@ -1405,7 +1408,7 @@
             <a:fld id="{B61BEF0D-F0BB-DE4B-95CE-6DB70DBA9567}" type="datetimeFigureOut">
               <a:rPr lang="en-US" smtClean="0"/>
               <a:pPr/>
-              <a:t>4/24/2015</a:t>
+              <a:t>5/11/2015</a:t>
             </a:fld>
             <a:endParaRPr lang="en-US" dirty="0"/>
           </a:p>
@@ -1725,7 +1728,7 @@
             <a:fld id="{B61BEF0D-F0BB-DE4B-95CE-6DB70DBA9567}" type="datetimeFigureOut">
               <a:rPr lang="en-US" smtClean="0"/>
               <a:pPr/>
-              <a:t>4/24/2015</a:t>
+              <a:t>5/11/2015</a:t>
             </a:fld>
             <a:endParaRPr lang="en-US" dirty="0"/>
           </a:p>
@@ -2121,7 +2124,7 @@
             <a:fld id="{B61BEF0D-F0BB-DE4B-95CE-6DB70DBA9567}" type="datetimeFigureOut">
               <a:rPr lang="en-US" smtClean="0"/>
               <a:pPr/>
-              <a:t>4/24/2015</a:t>
+              <a:t>5/11/2015</a:t>
             </a:fld>
             <a:endParaRPr lang="en-US" dirty="0"/>
           </a:p>
@@ -2378,7 +2381,7 @@
             <a:fld id="{B61BEF0D-F0BB-DE4B-95CE-6DB70DBA9567}" type="datetimeFigureOut">
               <a:rPr lang="en-US" smtClean="0"/>
               <a:pPr/>
-              <a:t>4/24/2015</a:t>
+              <a:t>5/11/2015</a:t>
             </a:fld>
             <a:endParaRPr lang="en-US" dirty="0"/>
           </a:p>
@@ -2640,7 +2643,7 @@
             <a:fld id="{B61BEF0D-F0BB-DE4B-95CE-6DB70DBA9567}" type="datetimeFigureOut">
               <a:rPr lang="en-US" smtClean="0"/>
               <a:pPr/>
-              <a:t>4/24/2015</a:t>
+              <a:t>5/11/2015</a:t>
             </a:fld>
             <a:endParaRPr lang="en-US" dirty="0"/>
           </a:p>
@@ -2902,7 +2905,7 @@
             <a:fld id="{B61BEF0D-F0BB-DE4B-95CE-6DB70DBA9567}" type="datetimeFigureOut">
               <a:rPr lang="en-US" smtClean="0"/>
               <a:pPr/>
-              <a:t>4/24/2015</a:t>
+              <a:t>5/11/2015</a:t>
             </a:fld>
             <a:endParaRPr lang="en-US" dirty="0"/>
           </a:p>
@@ -3231,7 +3234,7 @@
             <a:fld id="{B61BEF0D-F0BB-DE4B-95CE-6DB70DBA9567}" type="datetimeFigureOut">
               <a:rPr lang="en-US" smtClean="0"/>
               <a:pPr/>
-              <a:t>4/24/2015</a:t>
+              <a:t>5/11/2015</a:t>
             </a:fld>
             <a:endParaRPr lang="en-US" dirty="0"/>
           </a:p>
@@ -3554,7 +3557,7 @@
             <a:fld id="{B61BEF0D-F0BB-DE4B-95CE-6DB70DBA9567}" type="datetimeFigureOut">
               <a:rPr lang="en-US" smtClean="0"/>
               <a:pPr/>
-              <a:t>4/24/2015</a:t>
+              <a:t>5/11/2015</a:t>
             </a:fld>
             <a:endParaRPr lang="en-US" dirty="0"/>
           </a:p>
@@ -4011,7 +4014,7 @@
             <a:fld id="{B61BEF0D-F0BB-DE4B-95CE-6DB70DBA9567}" type="datetimeFigureOut">
               <a:rPr lang="en-US" smtClean="0"/>
               <a:pPr/>
-              <a:t>4/24/2015</a:t>
+              <a:t>5/11/2015</a:t>
             </a:fld>
             <a:endParaRPr lang="en-US" dirty="0"/>
           </a:p>
@@ -4221,7 +4224,7 @@
             <a:fld id="{B61BEF0D-F0BB-DE4B-95CE-6DB70DBA9567}" type="datetimeFigureOut">
               <a:rPr lang="en-US" smtClean="0"/>
               <a:pPr/>
-              <a:t>4/24/2015</a:t>
+              <a:t>5/11/2015</a:t>
             </a:fld>
             <a:endParaRPr lang="en-US" dirty="0"/>
           </a:p>
@@ -4398,7 +4401,7 @@
             <a:fld id="{B61BEF0D-F0BB-DE4B-95CE-6DB70DBA9567}" type="datetimeFigureOut">
               <a:rPr lang="en-US" smtClean="0"/>
               <a:pPr/>
-              <a:t>4/24/2015</a:t>
+              <a:t>5/11/2015</a:t>
             </a:fld>
             <a:endParaRPr lang="en-US" dirty="0"/>
           </a:p>
@@ -4731,7 +4734,7 @@
             <a:fld id="{B61BEF0D-F0BB-DE4B-95CE-6DB70DBA9567}" type="datetimeFigureOut">
               <a:rPr lang="en-US" smtClean="0"/>
               <a:pPr/>
-              <a:t>4/24/2015</a:t>
+              <a:t>5/11/2015</a:t>
             </a:fld>
             <a:endParaRPr lang="en-US" dirty="0"/>
           </a:p>
@@ -5076,7 +5079,7 @@
             <a:fld id="{B61BEF0D-F0BB-DE4B-95CE-6DB70DBA9567}" type="datetimeFigureOut">
               <a:rPr lang="en-US" smtClean="0"/>
               <a:pPr/>
-              <a:t>4/24/2015</a:t>
+              <a:t>5/11/2015</a:t>
             </a:fld>
             <a:endParaRPr lang="en-US" dirty="0"/>
           </a:p>
@@ -7193,7 +7196,7 @@
             <a:fld id="{B61BEF0D-F0BB-DE4B-95CE-6DB70DBA9567}" type="datetimeFigureOut">
               <a:rPr lang="en-US" smtClean="0"/>
               <a:pPr/>
-              <a:t>4/24/2015</a:t>
+              <a:t>5/11/2015</a:t>
             </a:fld>
             <a:endParaRPr lang="en-US" dirty="0"/>
           </a:p>
@@ -7741,7 +7744,6 @@
               <a:rPr lang="pl-PL" sz="3300" dirty="0"/>
               <a:t> – część 1</a:t>
             </a:r>
-            <a:endParaRPr lang="pl-PL" sz="3300" dirty="0"/>
           </a:p>
         </p:txBody>
       </p:sp>
@@ -7835,6 +7837,1117 @@
 </file>
 
 <file path=ppt/slides/slide10.xml><?xml version="1.0" encoding="utf-8"?>
+<p:sld xmlns:a="http://schemas.openxmlformats.org/drawingml/2006/main" xmlns:r="http://schemas.openxmlformats.org/officeDocument/2006/relationships" xmlns:p="http://schemas.openxmlformats.org/presentationml/2006/main">
+  <p:cSld>
+    <p:spTree>
+      <p:nvGrpSpPr>
+        <p:cNvPr id="1" name=""/>
+        <p:cNvGrpSpPr/>
+        <p:nvPr/>
+      </p:nvGrpSpPr>
+      <p:grpSpPr>
+        <a:xfrm>
+          <a:off x="0" y="0"/>
+          <a:ext cx="0" cy="0"/>
+          <a:chOff x="0" y="0"/>
+          <a:chExt cx="0" cy="0"/>
+        </a:xfrm>
+      </p:grpSpPr>
+      <p:sp>
+        <p:nvSpPr>
+          <p:cNvPr id="2" name="Tytuł 1"/>
+          <p:cNvSpPr>
+            <a:spLocks noGrp="1"/>
+          </p:cNvSpPr>
+          <p:nvPr>
+            <p:ph type="title"/>
+          </p:nvPr>
+        </p:nvSpPr>
+        <p:spPr/>
+        <p:txBody>
+          <a:bodyPr>
+            <a:normAutofit fontScale="90000"/>
+          </a:bodyPr>
+          <a:lstStyle/>
+          <a:p>
+            <a:r>
+              <a:rPr lang="pl-PL" dirty="0" smtClean="0"/>
+              <a:t>Filtry są bardziej złożone, ale tego nie będziemy omawiać…</a:t>
+            </a:r>
+            <a:endParaRPr lang="pl-PL" dirty="0"/>
+          </a:p>
+        </p:txBody>
+      </p:sp>
+      <p:pic>
+        <p:nvPicPr>
+          <p:cNvPr id="9" name="Picture 2" descr="http://www.electronics-tutorials.ws/filter/fil10.gif"/>
+          <p:cNvPicPr>
+            <a:picLocks noChangeAspect="1" noChangeArrowheads="1"/>
+          </p:cNvPicPr>
+          <p:nvPr/>
+        </p:nvPicPr>
+        <p:blipFill>
+          <a:blip r:embed="rId2">
+            <a:extLst>
+              <a:ext uri="{28A0092B-C50C-407E-A947-70E740481C1C}">
+                <a14:useLocalDpi xmlns:a14="http://schemas.microsoft.com/office/drawing/2010/main" val="0"/>
+              </a:ext>
+            </a:extLst>
+          </a:blip>
+          <a:srcRect/>
+          <a:stretch>
+            <a:fillRect/>
+          </a:stretch>
+        </p:blipFill>
+        <p:spPr bwMode="auto">
+          <a:xfrm>
+            <a:off x="771525" y="2286000"/>
+            <a:ext cx="3246120" cy="3337859"/>
+          </a:xfrm>
+          <a:prstGeom prst="rect">
+            <a:avLst/>
+          </a:prstGeom>
+          <a:noFill/>
+          <a:extLst>
+            <a:ext uri="{909E8E84-426E-40DD-AFC4-6F175D3DCCD1}">
+              <a14:hiddenFill xmlns:a14="http://schemas.microsoft.com/office/drawing/2010/main">
+                <a:solidFill>
+                  <a:srgbClr val="FFFFFF"/>
+                </a:solidFill>
+              </a14:hiddenFill>
+            </a:ext>
+          </a:extLst>
+        </p:spPr>
+      </p:pic>
+      <p:pic>
+        <p:nvPicPr>
+          <p:cNvPr id="8194" name="Picture 2" descr="http://www.electronics-tutorials.ws/filter/fil82.gif"/>
+          <p:cNvPicPr>
+            <a:picLocks noChangeAspect="1" noChangeArrowheads="1"/>
+          </p:cNvPicPr>
+          <p:nvPr/>
+        </p:nvPicPr>
+        <p:blipFill>
+          <a:blip r:embed="rId3">
+            <a:extLst>
+              <a:ext uri="{28A0092B-C50C-407E-A947-70E740481C1C}">
+                <a14:useLocalDpi xmlns:a14="http://schemas.microsoft.com/office/drawing/2010/main" val="0"/>
+              </a:ext>
+            </a:extLst>
+          </a:blip>
+          <a:srcRect/>
+          <a:stretch>
+            <a:fillRect/>
+          </a:stretch>
+        </p:blipFill>
+        <p:spPr bwMode="auto">
+          <a:xfrm>
+            <a:off x="4452937" y="2785110"/>
+            <a:ext cx="4124381" cy="2372678"/>
+          </a:xfrm>
+          <a:prstGeom prst="rect">
+            <a:avLst/>
+          </a:prstGeom>
+          <a:noFill/>
+          <a:extLst>
+            <a:ext uri="{909E8E84-426E-40DD-AFC4-6F175D3DCCD1}">
+              <a14:hiddenFill xmlns:a14="http://schemas.microsoft.com/office/drawing/2010/main">
+                <a:solidFill>
+                  <a:srgbClr val="FFFFFF"/>
+                </a:solidFill>
+              </a14:hiddenFill>
+            </a:ext>
+          </a:extLst>
+        </p:spPr>
+      </p:pic>
+    </p:spTree>
+    <p:extLst>
+      <p:ext uri="{BB962C8B-B14F-4D97-AF65-F5344CB8AC3E}">
+        <p14:creationId xmlns:p14="http://schemas.microsoft.com/office/powerpoint/2010/main" val="3558336899"/>
+      </p:ext>
+    </p:extLst>
+  </p:cSld>
+  <p:clrMapOvr>
+    <a:masterClrMapping/>
+  </p:clrMapOvr>
+  <p:timing>
+    <p:tnLst>
+      <p:par>
+        <p:cTn id="1" dur="indefinite" restart="never" nodeType="tmRoot">
+          <p:childTnLst>
+            <p:seq concurrent="1" nextAc="seek">
+              <p:cTn id="2" dur="indefinite" nodeType="mainSeq">
+                <p:childTnLst>
+                  <p:par>
+                    <p:cTn id="3" fill="hold">
+                      <p:stCondLst>
+                        <p:cond delay="indefinite"/>
+                      </p:stCondLst>
+                      <p:childTnLst>
+                        <p:par>
+                          <p:cTn id="4" fill="hold">
+                            <p:stCondLst>
+                              <p:cond delay="0"/>
+                            </p:stCondLst>
+                            <p:childTnLst>
+                              <p:par>
+                                <p:cTn id="5" presetID="31" presetClass="entr" presetSubtype="0" fill="hold" nodeType="clickEffect">
+                                  <p:stCondLst>
+                                    <p:cond delay="0"/>
+                                  </p:stCondLst>
+                                  <p:childTnLst>
+                                    <p:set>
+                                      <p:cBhvr>
+                                        <p:cTn id="6" dur="1" fill="hold">
+                                          <p:stCondLst>
+                                            <p:cond delay="0"/>
+                                          </p:stCondLst>
+                                        </p:cTn>
+                                        <p:tgtEl>
+                                          <p:spTgt spid="9"/>
+                                        </p:tgtEl>
+                                        <p:attrNameLst>
+                                          <p:attrName>style.visibility</p:attrName>
+                                        </p:attrNameLst>
+                                      </p:cBhvr>
+                                      <p:to>
+                                        <p:strVal val="visible"/>
+                                      </p:to>
+                                    </p:set>
+                                    <p:anim calcmode="lin" valueType="num">
+                                      <p:cBhvr>
+                                        <p:cTn id="7" dur="1000" fill="hold"/>
+                                        <p:tgtEl>
+                                          <p:spTgt spid="9"/>
+                                        </p:tgtEl>
+                                        <p:attrNameLst>
+                                          <p:attrName>ppt_w</p:attrName>
+                                        </p:attrNameLst>
+                                      </p:cBhvr>
+                                      <p:tavLst>
+                                        <p:tav tm="0">
+                                          <p:val>
+                                            <p:fltVal val="0"/>
+                                          </p:val>
+                                        </p:tav>
+                                        <p:tav tm="100000">
+                                          <p:val>
+                                            <p:strVal val="#ppt_w"/>
+                                          </p:val>
+                                        </p:tav>
+                                      </p:tavLst>
+                                    </p:anim>
+                                    <p:anim calcmode="lin" valueType="num">
+                                      <p:cBhvr>
+                                        <p:cTn id="8" dur="1000" fill="hold"/>
+                                        <p:tgtEl>
+                                          <p:spTgt spid="9"/>
+                                        </p:tgtEl>
+                                        <p:attrNameLst>
+                                          <p:attrName>ppt_h</p:attrName>
+                                        </p:attrNameLst>
+                                      </p:cBhvr>
+                                      <p:tavLst>
+                                        <p:tav tm="0">
+                                          <p:val>
+                                            <p:fltVal val="0"/>
+                                          </p:val>
+                                        </p:tav>
+                                        <p:tav tm="100000">
+                                          <p:val>
+                                            <p:strVal val="#ppt_h"/>
+                                          </p:val>
+                                        </p:tav>
+                                      </p:tavLst>
+                                    </p:anim>
+                                    <p:anim calcmode="lin" valueType="num">
+                                      <p:cBhvr>
+                                        <p:cTn id="9" dur="1000" fill="hold"/>
+                                        <p:tgtEl>
+                                          <p:spTgt spid="9"/>
+                                        </p:tgtEl>
+                                        <p:attrNameLst>
+                                          <p:attrName>style.rotation</p:attrName>
+                                        </p:attrNameLst>
+                                      </p:cBhvr>
+                                      <p:tavLst>
+                                        <p:tav tm="0">
+                                          <p:val>
+                                            <p:fltVal val="90"/>
+                                          </p:val>
+                                        </p:tav>
+                                        <p:tav tm="100000">
+                                          <p:val>
+                                            <p:fltVal val="0"/>
+                                          </p:val>
+                                        </p:tav>
+                                      </p:tavLst>
+                                    </p:anim>
+                                    <p:animEffect transition="in" filter="fade">
+                                      <p:cBhvr>
+                                        <p:cTn id="10" dur="1000"/>
+                                        <p:tgtEl>
+                                          <p:spTgt spid="9"/>
+                                        </p:tgtEl>
+                                      </p:cBhvr>
+                                    </p:animEffect>
+                                  </p:childTnLst>
+                                </p:cTn>
+                              </p:par>
+                            </p:childTnLst>
+                          </p:cTn>
+                        </p:par>
+                      </p:childTnLst>
+                    </p:cTn>
+                  </p:par>
+                  <p:par>
+                    <p:cTn id="11" fill="hold">
+                      <p:stCondLst>
+                        <p:cond delay="indefinite"/>
+                      </p:stCondLst>
+                      <p:childTnLst>
+                        <p:par>
+                          <p:cTn id="12" fill="hold">
+                            <p:stCondLst>
+                              <p:cond delay="0"/>
+                            </p:stCondLst>
+                            <p:childTnLst>
+                              <p:par>
+                                <p:cTn id="13" presetID="21" presetClass="entr" presetSubtype="1" fill="hold" nodeType="clickEffect">
+                                  <p:stCondLst>
+                                    <p:cond delay="0"/>
+                                  </p:stCondLst>
+                                  <p:childTnLst>
+                                    <p:set>
+                                      <p:cBhvr>
+                                        <p:cTn id="14" dur="1" fill="hold">
+                                          <p:stCondLst>
+                                            <p:cond delay="0"/>
+                                          </p:stCondLst>
+                                        </p:cTn>
+                                        <p:tgtEl>
+                                          <p:spTgt spid="8194"/>
+                                        </p:tgtEl>
+                                        <p:attrNameLst>
+                                          <p:attrName>style.visibility</p:attrName>
+                                        </p:attrNameLst>
+                                      </p:cBhvr>
+                                      <p:to>
+                                        <p:strVal val="visible"/>
+                                      </p:to>
+                                    </p:set>
+                                    <p:animEffect transition="in" filter="wheel(1)">
+                                      <p:cBhvr>
+                                        <p:cTn id="15" dur="2000"/>
+                                        <p:tgtEl>
+                                          <p:spTgt spid="8194"/>
+                                        </p:tgtEl>
+                                      </p:cBhvr>
+                                    </p:animEffect>
+                                  </p:childTnLst>
+                                </p:cTn>
+                              </p:par>
+                            </p:childTnLst>
+                          </p:cTn>
+                        </p:par>
+                      </p:childTnLst>
+                    </p:cTn>
+                  </p:par>
+                </p:childTnLst>
+              </p:cTn>
+              <p:prevCondLst>
+                <p:cond evt="onPrev" delay="0">
+                  <p:tgtEl>
+                    <p:sldTgt/>
+                  </p:tgtEl>
+                </p:cond>
+              </p:prevCondLst>
+              <p:nextCondLst>
+                <p:cond evt="onNext" delay="0">
+                  <p:tgtEl>
+                    <p:sldTgt/>
+                  </p:tgtEl>
+                </p:cond>
+              </p:nextCondLst>
+            </p:seq>
+          </p:childTnLst>
+        </p:cTn>
+      </p:par>
+    </p:tnLst>
+  </p:timing>
+</p:sld>
+</file>
+
+<file path=ppt/slides/slide11.xml><?xml version="1.0" encoding="utf-8"?>
+<p:sld xmlns:a="http://schemas.openxmlformats.org/drawingml/2006/main" xmlns:r="http://schemas.openxmlformats.org/officeDocument/2006/relationships" xmlns:p="http://schemas.openxmlformats.org/presentationml/2006/main">
+  <p:cSld>
+    <p:spTree>
+      <p:nvGrpSpPr>
+        <p:cNvPr id="1" name=""/>
+        <p:cNvGrpSpPr/>
+        <p:nvPr/>
+      </p:nvGrpSpPr>
+      <p:grpSpPr>
+        <a:xfrm>
+          <a:off x="0" y="0"/>
+          <a:ext cx="0" cy="0"/>
+          <a:chOff x="0" y="0"/>
+          <a:chExt cx="0" cy="0"/>
+        </a:xfrm>
+      </p:grpSpPr>
+      <p:sp>
+        <p:nvSpPr>
+          <p:cNvPr id="2" name="Tytuł 1"/>
+          <p:cNvSpPr>
+            <a:spLocks noGrp="1"/>
+          </p:cNvSpPr>
+          <p:nvPr>
+            <p:ph type="title"/>
+          </p:nvPr>
+        </p:nvSpPr>
+        <p:spPr>
+          <a:xfrm>
+            <a:off x="1399816" y="633294"/>
+            <a:ext cx="6589199" cy="1280890"/>
+          </a:xfrm>
+        </p:spPr>
+        <p:txBody>
+          <a:bodyPr/>
+          <a:lstStyle/>
+          <a:p>
+            <a:r>
+              <a:rPr lang="pl-PL" dirty="0" smtClean="0"/>
+              <a:t>Wczytywanie informacj</a:t>
+            </a:r>
+            <a:r>
+              <a:rPr lang="pl-PL" dirty="0" smtClean="0"/>
+              <a:t>i o pozycji elektrod </a:t>
+            </a:r>
+            <a:r>
+              <a:rPr lang="pl-PL" dirty="0" err="1" smtClean="0"/>
+              <a:t>itp</a:t>
+            </a:r>
+            <a:endParaRPr lang="pl-PL" dirty="0"/>
+          </a:p>
+        </p:txBody>
+      </p:sp>
+      <p:grpSp>
+        <p:nvGrpSpPr>
+          <p:cNvPr id="13" name="Grupa 12"/>
+          <p:cNvGrpSpPr/>
+          <p:nvPr/>
+        </p:nvGrpSpPr>
+        <p:grpSpPr>
+          <a:xfrm>
+            <a:off x="284952" y="1834978"/>
+            <a:ext cx="1600200" cy="1499801"/>
+            <a:chOff x="1762897" y="1633151"/>
+            <a:chExt cx="2133600" cy="1999735"/>
+          </a:xfrm>
+        </p:grpSpPr>
+        <p:sp>
+          <p:nvSpPr>
+            <p:cNvPr id="14" name="Prostokąt 13"/>
+            <p:cNvSpPr/>
+            <p:nvPr/>
+          </p:nvSpPr>
+          <p:spPr>
+            <a:xfrm>
+              <a:off x="1762897" y="1633151"/>
+              <a:ext cx="2133600" cy="1999735"/>
+            </a:xfrm>
+            <a:prstGeom prst="rect">
+              <a:avLst/>
+            </a:prstGeom>
+          </p:spPr>
+          <p:style>
+            <a:lnRef idx="2">
+              <a:schemeClr val="accent1">
+                <a:shade val="50000"/>
+              </a:schemeClr>
+            </a:lnRef>
+            <a:fillRef idx="1">
+              <a:schemeClr val="accent1"/>
+            </a:fillRef>
+            <a:effectRef idx="0">
+              <a:schemeClr val="accent1"/>
+            </a:effectRef>
+            <a:fontRef idx="minor">
+              <a:schemeClr val="lt1"/>
+            </a:fontRef>
+          </p:style>
+          <p:txBody>
+            <a:bodyPr rtlCol="0" anchor="ctr"/>
+            <a:lstStyle/>
+            <a:p>
+              <a:pPr algn="ctr"/>
+              <a:endParaRPr lang="pl-PL" sz="1350"/>
+            </a:p>
+          </p:txBody>
+        </p:sp>
+        <p:sp>
+          <p:nvSpPr>
+            <p:cNvPr id="15" name="Prostokąt 14"/>
+            <p:cNvSpPr/>
+            <p:nvPr/>
+          </p:nvSpPr>
+          <p:spPr>
+            <a:xfrm>
+              <a:off x="1841758" y="1695387"/>
+              <a:ext cx="1964123" cy="1855122"/>
+            </a:xfrm>
+            <a:prstGeom prst="rect">
+              <a:avLst/>
+            </a:prstGeom>
+            <a:solidFill>
+              <a:schemeClr val="bg1">
+                <a:lumMod val="95000"/>
+              </a:schemeClr>
+            </a:solidFill>
+            <a:ln>
+              <a:noFill/>
+            </a:ln>
+          </p:spPr>
+          <p:style>
+            <a:lnRef idx="2">
+              <a:schemeClr val="accent1">
+                <a:shade val="50000"/>
+              </a:schemeClr>
+            </a:lnRef>
+            <a:fillRef idx="1">
+              <a:schemeClr val="accent1"/>
+            </a:fillRef>
+            <a:effectRef idx="0">
+              <a:schemeClr val="accent1"/>
+            </a:effectRef>
+            <a:fontRef idx="minor">
+              <a:schemeClr val="lt1"/>
+            </a:fontRef>
+          </p:style>
+          <p:txBody>
+            <a:bodyPr rtlCol="0" anchor="ctr"/>
+            <a:lstStyle/>
+            <a:p>
+              <a:pPr algn="ctr"/>
+              <a:endParaRPr lang="pl-PL" sz="1350"/>
+            </a:p>
+          </p:txBody>
+        </p:sp>
+      </p:grpSp>
+      <p:pic>
+        <p:nvPicPr>
+          <p:cNvPr id="2052" name="Picture 4" descr="http://www.mathworks.com/help/matlab/matlab_prog/publish_code.png"/>
+          <p:cNvPicPr>
+            <a:picLocks noChangeAspect="1" noChangeArrowheads="1"/>
+          </p:cNvPicPr>
+          <p:nvPr/>
+        </p:nvPicPr>
+        <p:blipFill>
+          <a:blip r:embed="rId2">
+            <a:extLst>
+              <a:ext uri="{28A0092B-C50C-407E-A947-70E740481C1C}">
+                <a14:useLocalDpi xmlns:a14="http://schemas.microsoft.com/office/drawing/2010/main" val="0"/>
+              </a:ext>
+            </a:extLst>
+          </a:blip>
+          <a:srcRect/>
+          <a:stretch>
+            <a:fillRect/>
+          </a:stretch>
+        </p:blipFill>
+        <p:spPr bwMode="auto">
+          <a:xfrm>
+            <a:off x="405259" y="1979933"/>
+            <a:ext cx="573714" cy="882637"/>
+          </a:xfrm>
+          <a:prstGeom prst="rect">
+            <a:avLst/>
+          </a:prstGeom>
+          <a:noFill/>
+          <a:extLst>
+            <a:ext uri="{909E8E84-426E-40DD-AFC4-6F175D3DCCD1}">
+              <a14:hiddenFill xmlns:a14="http://schemas.microsoft.com/office/drawing/2010/main">
+                <a:solidFill>
+                  <a:srgbClr val="FFFFFF"/>
+                </a:solidFill>
+              </a14:hiddenFill>
+            </a:ext>
+          </a:extLst>
+        </p:spPr>
+      </p:pic>
+      <p:pic>
+        <p:nvPicPr>
+          <p:cNvPr id="18" name="Picture 2" descr="http://www.thecarsecrets.net/gallery/how-automatic-transmission-works/how_automatic_transmission_works.jpg"/>
+          <p:cNvPicPr>
+            <a:picLocks noChangeAspect="1" noChangeArrowheads="1"/>
+          </p:cNvPicPr>
+          <p:nvPr/>
+        </p:nvPicPr>
+        <p:blipFill>
+          <a:blip r:embed="rId3">
+            <a:extLst>
+              <a:ext uri="{28A0092B-C50C-407E-A947-70E740481C1C}">
+                <a14:useLocalDpi xmlns:a14="http://schemas.microsoft.com/office/drawing/2010/main" val="0"/>
+              </a:ext>
+            </a:extLst>
+          </a:blip>
+          <a:srcRect/>
+          <a:stretch>
+            <a:fillRect/>
+          </a:stretch>
+        </p:blipFill>
+        <p:spPr bwMode="auto">
+          <a:xfrm>
+            <a:off x="826149" y="2474366"/>
+            <a:ext cx="929187" cy="619458"/>
+          </a:xfrm>
+          <a:prstGeom prst="rect">
+            <a:avLst/>
+          </a:prstGeom>
+          <a:noFill/>
+          <a:extLst>
+            <a:ext uri="{909E8E84-426E-40DD-AFC4-6F175D3DCCD1}">
+              <a14:hiddenFill xmlns:a14="http://schemas.microsoft.com/office/drawing/2010/main">
+                <a:solidFill>
+                  <a:srgbClr val="FFFFFF"/>
+                </a:solidFill>
+              </a14:hiddenFill>
+            </a:ext>
+          </a:extLst>
+        </p:spPr>
+      </p:pic>
+      <p:sp>
+        <p:nvSpPr>
+          <p:cNvPr id="34" name="pole tekstowe 33"/>
+          <p:cNvSpPr txBox="1"/>
+          <p:nvPr/>
+        </p:nvSpPr>
+        <p:spPr>
+          <a:xfrm>
+            <a:off x="280544" y="3381456"/>
+            <a:ext cx="1600200" cy="715581"/>
+          </a:xfrm>
+          <a:prstGeom prst="rect">
+            <a:avLst/>
+          </a:prstGeom>
+          <a:noFill/>
+        </p:spPr>
+        <p:txBody>
+          <a:bodyPr wrap="square" rtlCol="0">
+            <a:spAutoFit/>
+          </a:bodyPr>
+          <a:lstStyle/>
+          <a:p>
+            <a:pPr algn="ctr"/>
+            <a:r>
+              <a:rPr lang="pl-PL" sz="1350" b="1" dirty="0" err="1"/>
+              <a:t>preprocessing</a:t>
+            </a:r>
+            <a:r>
+              <a:rPr lang="pl-PL" sz="1350" b="1" dirty="0"/>
+              <a:t> oraz jego automatyzacja</a:t>
+            </a:r>
+          </a:p>
+        </p:txBody>
+      </p:sp>
+    </p:spTree>
+    <p:extLst>
+      <p:ext uri="{BB962C8B-B14F-4D97-AF65-F5344CB8AC3E}">
+        <p14:creationId xmlns:p14="http://schemas.microsoft.com/office/powerpoint/2010/main" val="1323227510"/>
+      </p:ext>
+    </p:extLst>
+  </p:cSld>
+  <p:clrMapOvr>
+    <a:masterClrMapping/>
+  </p:clrMapOvr>
+  <p:timing>
+    <p:tnLst>
+      <p:par>
+        <p:cTn id="1" dur="indefinite" restart="never" nodeType="tmRoot"/>
+      </p:par>
+    </p:tnLst>
+  </p:timing>
+</p:sld>
+</file>
+
+<file path=ppt/slides/slide12.xml><?xml version="1.0" encoding="utf-8"?>
+<p:sld xmlns:a="http://schemas.openxmlformats.org/drawingml/2006/main" xmlns:r="http://schemas.openxmlformats.org/officeDocument/2006/relationships" xmlns:p="http://schemas.openxmlformats.org/presentationml/2006/main">
+  <p:cSld>
+    <p:spTree>
+      <p:nvGrpSpPr>
+        <p:cNvPr id="1" name=""/>
+        <p:cNvGrpSpPr/>
+        <p:nvPr/>
+      </p:nvGrpSpPr>
+      <p:grpSpPr>
+        <a:xfrm>
+          <a:off x="0" y="0"/>
+          <a:ext cx="0" cy="0"/>
+          <a:chOff x="0" y="0"/>
+          <a:chExt cx="0" cy="0"/>
+        </a:xfrm>
+      </p:grpSpPr>
+      <p:pic>
+        <p:nvPicPr>
+          <p:cNvPr id="6" name="Obraz 5"/>
+          <p:cNvPicPr>
+            <a:picLocks noChangeAspect="1"/>
+          </p:cNvPicPr>
+          <p:nvPr/>
+        </p:nvPicPr>
+        <p:blipFill>
+          <a:blip r:embed="rId2"/>
+          <a:stretch>
+            <a:fillRect/>
+          </a:stretch>
+        </p:blipFill>
+        <p:spPr>
+          <a:xfrm>
+            <a:off x="291843" y="1287889"/>
+            <a:ext cx="6200318" cy="5415566"/>
+          </a:xfrm>
+          <a:prstGeom prst="rect">
+            <a:avLst/>
+          </a:prstGeom>
+        </p:spPr>
+      </p:pic>
+      <p:sp>
+        <p:nvSpPr>
+          <p:cNvPr id="5" name="Elipsa 4"/>
+          <p:cNvSpPr/>
+          <p:nvPr/>
+        </p:nvSpPr>
+        <p:spPr>
+          <a:xfrm>
+            <a:off x="291843" y="5821251"/>
+            <a:ext cx="270456" cy="270456"/>
+          </a:xfrm>
+          <a:prstGeom prst="ellipse">
+            <a:avLst/>
+          </a:prstGeom>
+          <a:solidFill>
+            <a:srgbClr val="C00000">
+              <a:alpha val="50000"/>
+            </a:srgbClr>
+          </a:solidFill>
+          <a:ln>
+            <a:noFill/>
+          </a:ln>
+        </p:spPr>
+        <p:style>
+          <a:lnRef idx="2">
+            <a:schemeClr val="accent1">
+              <a:shade val="50000"/>
+            </a:schemeClr>
+          </a:lnRef>
+          <a:fillRef idx="1">
+            <a:schemeClr val="accent1"/>
+          </a:fillRef>
+          <a:effectRef idx="0">
+            <a:schemeClr val="accent1"/>
+          </a:effectRef>
+          <a:fontRef idx="minor">
+            <a:schemeClr val="lt1"/>
+          </a:fontRef>
+        </p:style>
+        <p:txBody>
+          <a:bodyPr rtlCol="0" anchor="ctr"/>
+          <a:lstStyle/>
+          <a:p>
+            <a:pPr algn="ctr"/>
+            <a:r>
+              <a:rPr lang="pl-PL" b="1" dirty="0" smtClean="0"/>
+              <a:t>1</a:t>
+            </a:r>
+            <a:endParaRPr lang="pl-PL" b="1" dirty="0"/>
+          </a:p>
+        </p:txBody>
+      </p:sp>
+      <p:sp>
+        <p:nvSpPr>
+          <p:cNvPr id="16" name="Elipsa 15"/>
+          <p:cNvSpPr/>
+          <p:nvPr/>
+        </p:nvSpPr>
+        <p:spPr>
+          <a:xfrm>
+            <a:off x="5093517" y="5425227"/>
+            <a:ext cx="270456" cy="270456"/>
+          </a:xfrm>
+          <a:prstGeom prst="ellipse">
+            <a:avLst/>
+          </a:prstGeom>
+          <a:solidFill>
+            <a:srgbClr val="C00000">
+              <a:alpha val="50000"/>
+            </a:srgbClr>
+          </a:solidFill>
+          <a:ln>
+            <a:noFill/>
+          </a:ln>
+        </p:spPr>
+        <p:style>
+          <a:lnRef idx="2">
+            <a:schemeClr val="accent1">
+              <a:shade val="50000"/>
+            </a:schemeClr>
+          </a:lnRef>
+          <a:fillRef idx="1">
+            <a:schemeClr val="accent1"/>
+          </a:fillRef>
+          <a:effectRef idx="0">
+            <a:schemeClr val="accent1"/>
+          </a:effectRef>
+          <a:fontRef idx="minor">
+            <a:schemeClr val="lt1"/>
+          </a:fontRef>
+        </p:style>
+        <p:txBody>
+          <a:bodyPr rtlCol="0" anchor="ctr"/>
+          <a:lstStyle/>
+          <a:p>
+            <a:pPr algn="ctr"/>
+            <a:r>
+              <a:rPr lang="pl-PL" b="1" dirty="0" smtClean="0"/>
+              <a:t>2</a:t>
+            </a:r>
+            <a:endParaRPr lang="pl-PL" b="1" dirty="0"/>
+          </a:p>
+        </p:txBody>
+      </p:sp>
+      <p:sp>
+        <p:nvSpPr>
+          <p:cNvPr id="17" name="Elipsa 16"/>
+          <p:cNvSpPr/>
+          <p:nvPr/>
+        </p:nvSpPr>
+        <p:spPr>
+          <a:xfrm>
+            <a:off x="4544661" y="3957035"/>
+            <a:ext cx="270456" cy="270456"/>
+          </a:xfrm>
+          <a:prstGeom prst="ellipse">
+            <a:avLst/>
+          </a:prstGeom>
+          <a:solidFill>
+            <a:srgbClr val="C00000">
+              <a:alpha val="50000"/>
+            </a:srgbClr>
+          </a:solidFill>
+          <a:ln>
+            <a:noFill/>
+          </a:ln>
+        </p:spPr>
+        <p:style>
+          <a:lnRef idx="2">
+            <a:schemeClr val="accent1">
+              <a:shade val="50000"/>
+            </a:schemeClr>
+          </a:lnRef>
+          <a:fillRef idx="1">
+            <a:schemeClr val="accent1"/>
+          </a:fillRef>
+          <a:effectRef idx="0">
+            <a:schemeClr val="accent1"/>
+          </a:effectRef>
+          <a:fontRef idx="minor">
+            <a:schemeClr val="lt1"/>
+          </a:fontRef>
+        </p:style>
+        <p:txBody>
+          <a:bodyPr rtlCol="0" anchor="ctr"/>
+          <a:lstStyle/>
+          <a:p>
+            <a:pPr algn="ctr"/>
+            <a:r>
+              <a:rPr lang="pl-PL" b="1" dirty="0" smtClean="0"/>
+              <a:t>3</a:t>
+            </a:r>
+            <a:endParaRPr lang="pl-PL" b="1" dirty="0"/>
+          </a:p>
+        </p:txBody>
+      </p:sp>
+      <p:sp>
+        <p:nvSpPr>
+          <p:cNvPr id="19" name="Elipsa 18"/>
+          <p:cNvSpPr/>
+          <p:nvPr/>
+        </p:nvSpPr>
+        <p:spPr>
+          <a:xfrm>
+            <a:off x="3282532" y="4376671"/>
+            <a:ext cx="270456" cy="270456"/>
+          </a:xfrm>
+          <a:prstGeom prst="ellipse">
+            <a:avLst/>
+          </a:prstGeom>
+          <a:solidFill>
+            <a:srgbClr val="C00000">
+              <a:alpha val="50000"/>
+            </a:srgbClr>
+          </a:solidFill>
+          <a:ln>
+            <a:noFill/>
+          </a:ln>
+        </p:spPr>
+        <p:style>
+          <a:lnRef idx="2">
+            <a:schemeClr val="accent1">
+              <a:shade val="50000"/>
+            </a:schemeClr>
+          </a:lnRef>
+          <a:fillRef idx="1">
+            <a:schemeClr val="accent1"/>
+          </a:fillRef>
+          <a:effectRef idx="0">
+            <a:schemeClr val="accent1"/>
+          </a:effectRef>
+          <a:fontRef idx="minor">
+            <a:schemeClr val="lt1"/>
+          </a:fontRef>
+        </p:style>
+        <p:txBody>
+          <a:bodyPr rtlCol="0" anchor="ctr"/>
+          <a:lstStyle/>
+          <a:p>
+            <a:pPr algn="ctr"/>
+            <a:r>
+              <a:rPr lang="pl-PL" b="1" dirty="0" smtClean="0"/>
+              <a:t>4</a:t>
+            </a:r>
+            <a:endParaRPr lang="pl-PL" b="1" dirty="0"/>
+          </a:p>
+        </p:txBody>
+      </p:sp>
+      <p:sp>
+        <p:nvSpPr>
+          <p:cNvPr id="20" name="Elipsa 19"/>
+          <p:cNvSpPr/>
+          <p:nvPr/>
+        </p:nvSpPr>
+        <p:spPr>
+          <a:xfrm>
+            <a:off x="5363973" y="6256986"/>
+            <a:ext cx="270456" cy="270456"/>
+          </a:xfrm>
+          <a:prstGeom prst="ellipse">
+            <a:avLst/>
+          </a:prstGeom>
+          <a:solidFill>
+            <a:srgbClr val="C00000">
+              <a:alpha val="50000"/>
+            </a:srgbClr>
+          </a:solidFill>
+          <a:ln>
+            <a:noFill/>
+          </a:ln>
+        </p:spPr>
+        <p:style>
+          <a:lnRef idx="2">
+            <a:schemeClr val="accent1">
+              <a:shade val="50000"/>
+            </a:schemeClr>
+          </a:lnRef>
+          <a:fillRef idx="1">
+            <a:schemeClr val="accent1"/>
+          </a:fillRef>
+          <a:effectRef idx="0">
+            <a:schemeClr val="accent1"/>
+          </a:effectRef>
+          <a:fontRef idx="minor">
+            <a:schemeClr val="lt1"/>
+          </a:fontRef>
+        </p:style>
+        <p:txBody>
+          <a:bodyPr rtlCol="0" anchor="ctr"/>
+          <a:lstStyle/>
+          <a:p>
+            <a:pPr algn="ctr"/>
+            <a:r>
+              <a:rPr lang="pl-PL" b="1" dirty="0" smtClean="0"/>
+              <a:t>5</a:t>
+            </a:r>
+            <a:endParaRPr lang="pl-PL" b="1" dirty="0"/>
+          </a:p>
+        </p:txBody>
+      </p:sp>
+      <p:sp>
+        <p:nvSpPr>
+          <p:cNvPr id="7" name="pole tekstowe 6"/>
+          <p:cNvSpPr txBox="1"/>
+          <p:nvPr/>
+        </p:nvSpPr>
+        <p:spPr>
+          <a:xfrm>
+            <a:off x="6658377" y="913791"/>
+            <a:ext cx="2409558" cy="5478423"/>
+          </a:xfrm>
+          <a:prstGeom prst="rect">
+            <a:avLst/>
+          </a:prstGeom>
+          <a:noFill/>
+        </p:spPr>
+        <p:txBody>
+          <a:bodyPr wrap="square" rtlCol="0">
+            <a:spAutoFit/>
+          </a:bodyPr>
+          <a:lstStyle/>
+          <a:p>
+            <a:r>
+              <a:rPr lang="pl-PL" sz="1400" dirty="0" smtClean="0">
+                <a:latin typeface="Consolas" panose="020B0609020204030204" pitchFamily="49" charset="0"/>
+                <a:cs typeface="Consolas" panose="020B0609020204030204" pitchFamily="49" charset="0"/>
+              </a:rPr>
+              <a:t>1 – klikamy „Read </a:t>
+            </a:r>
+            <a:r>
+              <a:rPr lang="pl-PL" sz="1400" dirty="0" err="1" smtClean="0">
+                <a:latin typeface="Consolas" panose="020B0609020204030204" pitchFamily="49" charset="0"/>
+                <a:cs typeface="Consolas" panose="020B0609020204030204" pitchFamily="49" charset="0"/>
+              </a:rPr>
+              <a:t>locations</a:t>
+            </a:r>
+            <a:r>
+              <a:rPr lang="pl-PL" sz="1400" dirty="0" smtClean="0">
+                <a:latin typeface="Consolas" panose="020B0609020204030204" pitchFamily="49" charset="0"/>
+                <a:cs typeface="Consolas" panose="020B0609020204030204" pitchFamily="49" charset="0"/>
+              </a:rPr>
+              <a:t>”, wybieramy plik z informacjami o pozycji elektrod a następnie wybieramy „</a:t>
+            </a:r>
+            <a:r>
+              <a:rPr lang="pl-PL" sz="1400" dirty="0" err="1" smtClean="0">
+                <a:latin typeface="Consolas" panose="020B0609020204030204" pitchFamily="49" charset="0"/>
+                <a:cs typeface="Consolas" panose="020B0609020204030204" pitchFamily="49" charset="0"/>
+              </a:rPr>
+              <a:t>autoselect</a:t>
+            </a:r>
+            <a:r>
+              <a:rPr lang="pl-PL" sz="1400" dirty="0" smtClean="0">
+                <a:latin typeface="Consolas" panose="020B0609020204030204" pitchFamily="49" charset="0"/>
+                <a:cs typeface="Consolas" panose="020B0609020204030204" pitchFamily="49" charset="0"/>
+              </a:rPr>
+              <a:t>”.</a:t>
+            </a:r>
+          </a:p>
+          <a:p>
+            <a:r>
+              <a:rPr lang="pl-PL" sz="1400" dirty="0" smtClean="0">
+                <a:latin typeface="Consolas" panose="020B0609020204030204" pitchFamily="49" charset="0"/>
+                <a:cs typeface="Consolas" panose="020B0609020204030204" pitchFamily="49" charset="0"/>
+              </a:rPr>
+              <a:t>2 – Plot 3-D pozwala nam upewnić się, że pozycja elektrod jest OK.</a:t>
+            </a:r>
+          </a:p>
+          <a:p>
+            <a:r>
+              <a:rPr lang="pl-PL" sz="1400" dirty="0" smtClean="0">
+                <a:latin typeface="Consolas" panose="020B0609020204030204" pitchFamily="49" charset="0"/>
+                <a:cs typeface="Consolas" panose="020B0609020204030204" pitchFamily="49" charset="0"/>
+              </a:rPr>
+              <a:t>3 – dla elektrod 1:67 ustawiamy jako referencję elektrodę „</a:t>
+            </a:r>
+            <a:r>
+              <a:rPr lang="pl-PL" sz="1400" dirty="0" err="1" smtClean="0">
+                <a:latin typeface="Consolas" panose="020B0609020204030204" pitchFamily="49" charset="0"/>
+                <a:cs typeface="Consolas" panose="020B0609020204030204" pitchFamily="49" charset="0"/>
+              </a:rPr>
+              <a:t>Cz</a:t>
+            </a:r>
+            <a:r>
+              <a:rPr lang="pl-PL" sz="1400" dirty="0" smtClean="0">
+                <a:latin typeface="Consolas" panose="020B0609020204030204" pitchFamily="49" charset="0"/>
+                <a:cs typeface="Consolas" panose="020B0609020204030204" pitchFamily="49" charset="0"/>
+              </a:rPr>
+              <a:t>” – taka faktycznie była referencja podczas rejestracji tych danych</a:t>
+            </a:r>
+          </a:p>
+          <a:p>
+            <a:r>
+              <a:rPr lang="pl-PL" sz="1400" dirty="0" smtClean="0">
+                <a:latin typeface="Consolas" panose="020B0609020204030204" pitchFamily="49" charset="0"/>
+                <a:cs typeface="Consolas" panose="020B0609020204030204" pitchFamily="49" charset="0"/>
+              </a:rPr>
+              <a:t>4 – upewniamy się że punkty orientacyjne („</a:t>
+            </a:r>
+            <a:r>
+              <a:rPr lang="pl-PL" sz="1400" dirty="0" err="1" smtClean="0">
+                <a:latin typeface="Consolas" panose="020B0609020204030204" pitchFamily="49" charset="0"/>
+                <a:cs typeface="Consolas" panose="020B0609020204030204" pitchFamily="49" charset="0"/>
+              </a:rPr>
+              <a:t>FidNz</a:t>
+            </a:r>
+            <a:r>
+              <a:rPr lang="pl-PL" sz="1400" dirty="0" smtClean="0">
+                <a:latin typeface="Consolas" panose="020B0609020204030204" pitchFamily="49" charset="0"/>
+                <a:cs typeface="Consolas" panose="020B0609020204030204" pitchFamily="49" charset="0"/>
+              </a:rPr>
+              <a:t>” itp.) oraz elektroda „</a:t>
+            </a:r>
+            <a:r>
+              <a:rPr lang="pl-PL" sz="1400" dirty="0" err="1" smtClean="0">
+                <a:latin typeface="Consolas" panose="020B0609020204030204" pitchFamily="49" charset="0"/>
+                <a:cs typeface="Consolas" panose="020B0609020204030204" pitchFamily="49" charset="0"/>
+              </a:rPr>
+              <a:t>Cz</a:t>
+            </a:r>
+            <a:r>
+              <a:rPr lang="pl-PL" sz="1400" dirty="0" smtClean="0">
+                <a:latin typeface="Consolas" panose="020B0609020204030204" pitchFamily="49" charset="0"/>
+                <a:cs typeface="Consolas" panose="020B0609020204030204" pitchFamily="49" charset="0"/>
+              </a:rPr>
+              <a:t>” mają ten </a:t>
+            </a:r>
+            <a:r>
+              <a:rPr lang="pl-PL" sz="1400" dirty="0" err="1" smtClean="0">
+                <a:latin typeface="Consolas" panose="020B0609020204030204" pitchFamily="49" charset="0"/>
+                <a:cs typeface="Consolas" panose="020B0609020204030204" pitchFamily="49" charset="0"/>
+              </a:rPr>
+              <a:t>box</a:t>
+            </a:r>
+            <a:r>
+              <a:rPr lang="pl-PL" sz="1400" dirty="0" smtClean="0">
+                <a:latin typeface="Consolas" panose="020B0609020204030204" pitchFamily="49" charset="0"/>
+                <a:cs typeface="Consolas" panose="020B0609020204030204" pitchFamily="49" charset="0"/>
+              </a:rPr>
+              <a:t> odznaczony – tzn. nie ma ich w danych</a:t>
+            </a:r>
+          </a:p>
+          <a:p>
+            <a:r>
+              <a:rPr lang="pl-PL" sz="1400" dirty="0" smtClean="0">
+                <a:latin typeface="Consolas" panose="020B0609020204030204" pitchFamily="49" charset="0"/>
+                <a:cs typeface="Consolas" panose="020B0609020204030204" pitchFamily="49" charset="0"/>
+              </a:rPr>
+              <a:t>5 – klikamy OK (uff!)</a:t>
+            </a:r>
+            <a:endParaRPr lang="pl-PL" sz="1400" dirty="0">
+              <a:latin typeface="Consolas" panose="020B0609020204030204" pitchFamily="49" charset="0"/>
+              <a:cs typeface="Consolas" panose="020B0609020204030204" pitchFamily="49" charset="0"/>
+            </a:endParaRPr>
+          </a:p>
+        </p:txBody>
+      </p:sp>
+    </p:spTree>
+    <p:extLst>
+      <p:ext uri="{BB962C8B-B14F-4D97-AF65-F5344CB8AC3E}">
+        <p14:creationId xmlns:p14="http://schemas.microsoft.com/office/powerpoint/2010/main" val="1143632969"/>
+      </p:ext>
+    </p:extLst>
+  </p:cSld>
+  <p:clrMapOvr>
+    <a:masterClrMapping/>
+  </p:clrMapOvr>
+  <p:timing>
+    <p:tnLst>
+      <p:par>
+        <p:cTn id="1" dur="indefinite" restart="never" nodeType="tmRoot"/>
+      </p:par>
+    </p:tnLst>
+  </p:timing>
+</p:sld>
+</file>
+
+<file path=ppt/slides/slide13.xml><?xml version="1.0" encoding="utf-8"?>
 <p:sld xmlns:a="http://schemas.openxmlformats.org/drawingml/2006/main" xmlns:r="http://schemas.openxmlformats.org/officeDocument/2006/relationships" xmlns:p="http://schemas.openxmlformats.org/presentationml/2006/main">
   <p:cSld>
     <p:spTree>
@@ -8403,7 +9516,7 @@
 </p:sld>
 </file>
 
-<file path=ppt/slides/slide11.xml><?xml version="1.0" encoding="utf-8"?>
+<file path=ppt/slides/slide14.xml><?xml version="1.0" encoding="utf-8"?>
 <p:sld xmlns:a="http://schemas.openxmlformats.org/drawingml/2006/main" xmlns:r="http://schemas.openxmlformats.org/officeDocument/2006/relationships" xmlns:p="http://schemas.openxmlformats.org/presentationml/2006/main">
   <p:cSld>
     <p:spTree>
@@ -8731,7 +9844,7 @@
 </p:sld>
 </file>
 
-<file path=ppt/slides/slide12.xml><?xml version="1.0" encoding="utf-8"?>
+<file path=ppt/slides/slide15.xml><?xml version="1.0" encoding="utf-8"?>
 <p:sld xmlns:a="http://schemas.openxmlformats.org/drawingml/2006/main" xmlns:r="http://schemas.openxmlformats.org/officeDocument/2006/relationships" xmlns:p="http://schemas.openxmlformats.org/presentationml/2006/main">
   <p:cSld>
     <p:spTree>
@@ -10736,7 +11849,7 @@
 </p:sld>
 </file>
 
-<file path=ppt/slides/slide13.xml><?xml version="1.0" encoding="utf-8"?>
+<file path=ppt/slides/slide16.xml><?xml version="1.0" encoding="utf-8"?>
 <p:sld xmlns:a="http://schemas.openxmlformats.org/drawingml/2006/main" xmlns:r="http://schemas.openxmlformats.org/officeDocument/2006/relationships" xmlns:p="http://schemas.openxmlformats.org/presentationml/2006/main">
   <p:cSld>
     <p:spTree>
@@ -10891,7 +12004,6 @@
               <a:rPr lang="pl-PL" sz="1350" dirty="0"/>
               <a:t> względem, których tworzymy epoki</a:t>
             </a:r>
-            <a:endParaRPr lang="pl-PL" sz="1350" dirty="0"/>
           </a:p>
         </p:txBody>
       </p:sp>
@@ -11029,7 +12141,7 @@
 </p:sld>
 </file>
 
-<file path=ppt/slides/slide14.xml><?xml version="1.0" encoding="utf-8"?>
+<file path=ppt/slides/slide17.xml><?xml version="1.0" encoding="utf-8"?>
 <p:sld xmlns:a="http://schemas.openxmlformats.org/drawingml/2006/main" xmlns:r="http://schemas.openxmlformats.org/officeDocument/2006/relationships" xmlns:p="http://schemas.openxmlformats.org/presentationml/2006/main">
   <p:cSld>
     <p:spTree>
@@ -11335,7 +12447,7 @@
 </p:sld>
 </file>
 
-<file path=ppt/slides/slide15.xml><?xml version="1.0" encoding="utf-8"?>
+<file path=ppt/slides/slide18.xml><?xml version="1.0" encoding="utf-8"?>
 <p:sld xmlns:a="http://schemas.openxmlformats.org/drawingml/2006/main" xmlns:r="http://schemas.openxmlformats.org/officeDocument/2006/relationships" xmlns:p="http://schemas.openxmlformats.org/presentationml/2006/main">
   <p:cSld>
     <p:spTree>
@@ -11640,13 +12752,6 @@
               </a:rPr>
               <a:t>, …</a:t>
             </a:r>
-            <a:r>
-              <a:rPr lang="pl-PL" sz="1350" dirty="0">
-                <a:latin typeface="Consolas" panose="020B0609020204030204" pitchFamily="49" charset="0"/>
-                <a:cs typeface="Consolas" panose="020B0609020204030204" pitchFamily="49" charset="0"/>
-              </a:rPr>
-              <a:t/>
-            </a:r>
             <a:br>
               <a:rPr lang="pl-PL" sz="1350" dirty="0">
                 <a:latin typeface="Consolas" panose="020B0609020204030204" pitchFamily="49" charset="0"/>
@@ -11660,10 +12765,6 @@
               </a:rPr>
               <a:t>	'ścieżka dostępu')</a:t>
             </a:r>
-            <a:endParaRPr lang="pl-PL" sz="1350" dirty="0">
-              <a:latin typeface="Consolas" panose="020B0609020204030204" pitchFamily="49" charset="0"/>
-              <a:cs typeface="Consolas" panose="020B0609020204030204" pitchFamily="49" charset="0"/>
-            </a:endParaRPr>
           </a:p>
         </p:txBody>
       </p:sp>
@@ -11823,7 +12924,7 @@
 </p:sld>
 </file>
 
-<file path=ppt/slides/slide16.xml><?xml version="1.0" encoding="utf-8"?>
+<file path=ppt/slides/slide19.xml><?xml version="1.0" encoding="utf-8"?>
 <p:sld xmlns:a="http://schemas.openxmlformats.org/drawingml/2006/main" xmlns:r="http://schemas.openxmlformats.org/officeDocument/2006/relationships" xmlns:p="http://schemas.openxmlformats.org/presentationml/2006/main">
   <p:cSld>
     <p:spTree>
@@ -12015,10 +13116,6 @@
               </a:rPr>
               <a:t> sprawdza czy format danych jest OK, czy odpowiednie pola są uzupełnione itp.</a:t>
             </a:r>
-            <a:endParaRPr lang="pl-PL" sz="1350" dirty="0">
-              <a:latin typeface="Consolas" panose="020B0609020204030204" pitchFamily="49" charset="0"/>
-              <a:cs typeface="Consolas" panose="020B0609020204030204" pitchFamily="49" charset="0"/>
-            </a:endParaRPr>
           </a:p>
         </p:txBody>
       </p:sp>
@@ -12178,7 +13275,184 @@
 </p:sld>
 </file>
 
-<file path=ppt/slides/slide17.xml><?xml version="1.0" encoding="utf-8"?>
+<file path=ppt/slides/slide2.xml><?xml version="1.0" encoding="utf-8"?>
+<p:sld xmlns:a="http://schemas.openxmlformats.org/drawingml/2006/main" xmlns:r="http://schemas.openxmlformats.org/officeDocument/2006/relationships" xmlns:p="http://schemas.openxmlformats.org/presentationml/2006/main">
+  <p:cSld>
+    <p:spTree>
+      <p:nvGrpSpPr>
+        <p:cNvPr id="1" name=""/>
+        <p:cNvGrpSpPr/>
+        <p:nvPr/>
+      </p:nvGrpSpPr>
+      <p:grpSpPr>
+        <a:xfrm>
+          <a:off x="0" y="0"/>
+          <a:ext cx="0" cy="0"/>
+          <a:chOff x="0" y="0"/>
+          <a:chExt cx="0" cy="0"/>
+        </a:xfrm>
+      </p:grpSpPr>
+      <p:sp>
+        <p:nvSpPr>
+          <p:cNvPr id="2" name="Tytuł 1"/>
+          <p:cNvSpPr>
+            <a:spLocks noGrp="1"/>
+          </p:cNvSpPr>
+          <p:nvPr>
+            <p:ph type="title"/>
+          </p:nvPr>
+        </p:nvSpPr>
+        <p:spPr/>
+        <p:txBody>
+          <a:bodyPr/>
+          <a:lstStyle/>
+          <a:p>
+            <a:r>
+              <a:rPr lang="pl-PL" dirty="0" smtClean="0"/>
+              <a:t>Wstęp</a:t>
+            </a:r>
+            <a:endParaRPr lang="pl-PL" dirty="0"/>
+          </a:p>
+        </p:txBody>
+      </p:sp>
+      <p:pic>
+        <p:nvPicPr>
+          <p:cNvPr id="16" name="Picture 4" descr="http://www.blogcdn.com/www.engadget.com/media/2009/08/chefstack_automatic_pancake_machine.jpg"/>
+          <p:cNvPicPr>
+            <a:picLocks noChangeAspect="1" noChangeArrowheads="1"/>
+          </p:cNvPicPr>
+          <p:nvPr/>
+        </p:nvPicPr>
+        <p:blipFill>
+          <a:blip r:embed="rId2">
+            <a:extLst>
+              <a:ext uri="{28A0092B-C50C-407E-A947-70E740481C1C}">
+                <a14:useLocalDpi xmlns:a14="http://schemas.microsoft.com/office/drawing/2010/main" val="0"/>
+              </a:ext>
+            </a:extLst>
+          </a:blip>
+          <a:srcRect/>
+          <a:stretch>
+            <a:fillRect/>
+          </a:stretch>
+        </p:blipFill>
+        <p:spPr bwMode="auto">
+          <a:xfrm>
+            <a:off x="2176195" y="2109130"/>
+            <a:ext cx="4308014" cy="3239627"/>
+          </a:xfrm>
+          <a:prstGeom prst="rect">
+            <a:avLst/>
+          </a:prstGeom>
+          <a:noFill/>
+          <a:extLst>
+            <a:ext uri="{909E8E84-426E-40DD-AFC4-6F175D3DCCD1}">
+              <a14:hiddenFill xmlns:a14="http://schemas.microsoft.com/office/drawing/2010/main">
+                <a:solidFill>
+                  <a:srgbClr val="FFFFFF"/>
+                </a:solidFill>
+              </a14:hiddenFill>
+            </a:ext>
+          </a:extLst>
+        </p:spPr>
+      </p:pic>
+    </p:spTree>
+    <p:extLst>
+      <p:ext uri="{BB962C8B-B14F-4D97-AF65-F5344CB8AC3E}">
+        <p14:creationId xmlns:p14="http://schemas.microsoft.com/office/powerpoint/2010/main" val="3839632434"/>
+      </p:ext>
+    </p:extLst>
+  </p:cSld>
+  <p:clrMapOvr>
+    <a:masterClrMapping/>
+  </p:clrMapOvr>
+  <p:timing>
+    <p:tnLst>
+      <p:par>
+        <p:cTn id="1" dur="indefinite" restart="never" nodeType="tmRoot">
+          <p:childTnLst>
+            <p:seq concurrent="1" nextAc="seek">
+              <p:cTn id="2" dur="indefinite" nodeType="mainSeq">
+                <p:childTnLst>
+                  <p:par>
+                    <p:cTn id="3" fill="hold">
+                      <p:stCondLst>
+                        <p:cond delay="indefinite"/>
+                      </p:stCondLst>
+                      <p:childTnLst>
+                        <p:par>
+                          <p:cTn id="4" fill="hold">
+                            <p:stCondLst>
+                              <p:cond delay="0"/>
+                            </p:stCondLst>
+                            <p:childTnLst>
+                              <p:par>
+                                <p:cTn id="5" presetID="22" presetClass="entr" presetSubtype="8" fill="hold" nodeType="clickEffect">
+                                  <p:stCondLst>
+                                    <p:cond delay="0"/>
+                                  </p:stCondLst>
+                                  <p:childTnLst>
+                                    <p:set>
+                                      <p:cBhvr>
+                                        <p:cTn id="6" dur="1" fill="hold">
+                                          <p:stCondLst>
+                                            <p:cond delay="0"/>
+                                          </p:stCondLst>
+                                        </p:cTn>
+                                        <p:tgtEl>
+                                          <p:spTgt spid="16"/>
+                                        </p:tgtEl>
+                                        <p:attrNameLst>
+                                          <p:attrName>style.visibility</p:attrName>
+                                        </p:attrNameLst>
+                                      </p:cBhvr>
+                                      <p:to>
+                                        <p:strVal val="visible"/>
+                                      </p:to>
+                                    </p:set>
+                                    <p:animEffect transition="in" filter="wipe(left)">
+                                      <p:cBhvr>
+                                        <p:cTn id="7" dur="500"/>
+                                        <p:tgtEl>
+                                          <p:spTgt spid="16"/>
+                                        </p:tgtEl>
+                                      </p:cBhvr>
+                                    </p:animEffect>
+                                  </p:childTnLst>
+                                </p:cTn>
+                              </p:par>
+                            </p:childTnLst>
+                          </p:cTn>
+                        </p:par>
+                      </p:childTnLst>
+                    </p:cTn>
+                  </p:par>
+                </p:childTnLst>
+              </p:cTn>
+              <p:prevCondLst>
+                <p:cond evt="onPrev" delay="0">
+                  <p:tgtEl>
+                    <p:sldTgt/>
+                  </p:tgtEl>
+                </p:cond>
+              </p:prevCondLst>
+              <p:nextCondLst>
+                <p:cond evt="onNext" delay="0">
+                  <p:tgtEl>
+                    <p:sldTgt/>
+                  </p:tgtEl>
+                </p:cond>
+              </p:nextCondLst>
+            </p:seq>
+          </p:childTnLst>
+        </p:cTn>
+      </p:par>
+    </p:tnLst>
+  </p:timing>
+</p:sld>
+</file>
+
+<file path=ppt/slides/slide20.xml><?xml version="1.0" encoding="utf-8"?>
 <p:sld xmlns:a="http://schemas.openxmlformats.org/drawingml/2006/main" xmlns:r="http://schemas.openxmlformats.org/officeDocument/2006/relationships" xmlns:p="http://schemas.openxmlformats.org/presentationml/2006/main">
   <p:cSld>
     <p:spTree>
@@ -12401,10 +13675,6 @@
               </a:rPr>
               <a:t>czy zaznaczone epoki od razu usuwać (1) czy też pozostawiać jako oznaczone (0)</a:t>
             </a:r>
-            <a:endParaRPr lang="pl-PL" sz="1350" dirty="0">
-              <a:latin typeface="Consolas" panose="020B0609020204030204" pitchFamily="49" charset="0"/>
-              <a:cs typeface="Consolas" panose="020B0609020204030204" pitchFamily="49" charset="0"/>
-            </a:endParaRPr>
           </a:p>
         </p:txBody>
       </p:sp>
@@ -12816,7 +14086,7 @@
 </p:sld>
 </file>
 
-<file path=ppt/slides/slide18.xml><?xml version="1.0" encoding="utf-8"?>
+<file path=ppt/slides/slide21.xml><?xml version="1.0" encoding="utf-8"?>
 <p:sld xmlns:a="http://schemas.openxmlformats.org/drawingml/2006/main" xmlns:r="http://schemas.openxmlformats.org/officeDocument/2006/relationships" xmlns:p="http://schemas.openxmlformats.org/presentationml/2006/main">
   <p:cSld>
     <p:spTree>
@@ -13216,7 +14486,7 @@
 </p:sld>
 </file>
 
-<file path=ppt/slides/slide19.xml><?xml version="1.0" encoding="utf-8"?>
+<file path=ppt/slides/slide22.xml><?xml version="1.0" encoding="utf-8"?>
 <p:sld xmlns:a="http://schemas.openxmlformats.org/drawingml/2006/main" xmlns:r="http://schemas.openxmlformats.org/officeDocument/2006/relationships" xmlns:p="http://schemas.openxmlformats.org/presentationml/2006/main">
   <p:cSld>
     <p:spTree>
@@ -13602,188 +14872,7 @@
 </p:sld>
 </file>
 
-<file path=ppt/slides/slide2.xml><?xml version="1.0" encoding="utf-8"?>
-<p:sld xmlns:a="http://schemas.openxmlformats.org/drawingml/2006/main" xmlns:r="http://schemas.openxmlformats.org/officeDocument/2006/relationships" xmlns:p="http://schemas.openxmlformats.org/presentationml/2006/main">
-  <p:cSld>
-    <p:spTree>
-      <p:nvGrpSpPr>
-        <p:cNvPr id="1" name=""/>
-        <p:cNvGrpSpPr/>
-        <p:nvPr/>
-      </p:nvGrpSpPr>
-      <p:grpSpPr>
-        <a:xfrm>
-          <a:off x="0" y="0"/>
-          <a:ext cx="0" cy="0"/>
-          <a:chOff x="0" y="0"/>
-          <a:chExt cx="0" cy="0"/>
-        </a:xfrm>
-      </p:grpSpPr>
-      <p:sp>
-        <p:nvSpPr>
-          <p:cNvPr id="2" name="Tytuł 1"/>
-          <p:cNvSpPr>
-            <a:spLocks noGrp="1"/>
-          </p:cNvSpPr>
-          <p:nvPr>
-            <p:ph type="title"/>
-          </p:nvPr>
-        </p:nvSpPr>
-        <p:spPr/>
-        <p:txBody>
-          <a:bodyPr/>
-          <a:lstStyle/>
-          <a:p>
-            <a:r>
-              <a:rPr lang="pl-PL" dirty="0" smtClean="0"/>
-              <a:t>Wst</a:t>
-            </a:r>
-            <a:r>
-              <a:rPr lang="pl-PL" dirty="0" smtClean="0"/>
-              <a:t>ęp</a:t>
-            </a:r>
-            <a:endParaRPr lang="pl-PL" dirty="0"/>
-          </a:p>
-        </p:txBody>
-      </p:sp>
-      <p:pic>
-        <p:nvPicPr>
-          <p:cNvPr id="16" name="Picture 4" descr="http://www.blogcdn.com/www.engadget.com/media/2009/08/chefstack_automatic_pancake_machine.jpg"/>
-          <p:cNvPicPr>
-            <a:picLocks noChangeAspect="1" noChangeArrowheads="1"/>
-          </p:cNvPicPr>
-          <p:nvPr/>
-        </p:nvPicPr>
-        <p:blipFill>
-          <a:blip r:embed="rId2">
-            <a:extLst>
-              <a:ext uri="{28A0092B-C50C-407E-A947-70E740481C1C}">
-                <a14:useLocalDpi xmlns:a14="http://schemas.microsoft.com/office/drawing/2010/main" val="0"/>
-              </a:ext>
-            </a:extLst>
-          </a:blip>
-          <a:srcRect/>
-          <a:stretch>
-            <a:fillRect/>
-          </a:stretch>
-        </p:blipFill>
-        <p:spPr bwMode="auto">
-          <a:xfrm>
-            <a:off x="2176195" y="2109130"/>
-            <a:ext cx="4308014" cy="3239627"/>
-          </a:xfrm>
-          <a:prstGeom prst="rect">
-            <a:avLst/>
-          </a:prstGeom>
-          <a:noFill/>
-          <a:extLst>
-            <a:ext uri="{909E8E84-426E-40DD-AFC4-6F175D3DCCD1}">
-              <a14:hiddenFill xmlns:a14="http://schemas.microsoft.com/office/drawing/2010/main">
-                <a:solidFill>
-                  <a:srgbClr val="FFFFFF"/>
-                </a:solidFill>
-              </a14:hiddenFill>
-            </a:ext>
-          </a:extLst>
-        </p:spPr>
-      </p:pic>
-    </p:spTree>
-    <p:extLst>
-      <p:ext uri="{BB962C8B-B14F-4D97-AF65-F5344CB8AC3E}">
-        <p14:creationId xmlns:p14="http://schemas.microsoft.com/office/powerpoint/2010/main" val="3839632434"/>
-      </p:ext>
-    </p:extLst>
-  </p:cSld>
-  <p:clrMapOvr>
-    <a:masterClrMapping/>
-  </p:clrMapOvr>
-  <p:timing>
-    <p:tnLst>
-      <p:par>
-        <p:cTn id="1" dur="indefinite" restart="never" nodeType="tmRoot">
-          <p:childTnLst>
-            <p:seq concurrent="1" nextAc="seek">
-              <p:cTn id="2" dur="indefinite" nodeType="mainSeq">
-                <p:childTnLst>
-                  <p:par>
-                    <p:cTn id="3" fill="hold">
-                      <p:stCondLst>
-                        <p:cond delay="indefinite"/>
-                      </p:stCondLst>
-                      <p:childTnLst>
-                        <p:par>
-                          <p:cTn id="4" fill="hold">
-                            <p:stCondLst>
-                              <p:cond delay="0"/>
-                            </p:stCondLst>
-                            <p:childTnLst>
-                              <p:par>
-                                <p:cTn id="5" presetID="22" presetClass="entr" presetSubtype="8" fill="hold" nodeType="clickEffect">
-                                  <p:stCondLst>
-                                    <p:cond delay="0"/>
-                                  </p:stCondLst>
-                                  <p:childTnLst>
-                                    <p:set>
-                                      <p:cBhvr>
-                                        <p:cTn id="6" dur="1" fill="hold">
-                                          <p:stCondLst>
-                                            <p:cond delay="0"/>
-                                          </p:stCondLst>
-                                        </p:cTn>
-                                        <p:tgtEl>
-                                          <p:spTgt spid="16"/>
-                                        </p:tgtEl>
-                                        <p:attrNameLst>
-                                          <p:attrName>style.visibility</p:attrName>
-                                        </p:attrNameLst>
-                                      </p:cBhvr>
-                                      <p:to>
-                                        <p:strVal val="visible"/>
-                                      </p:to>
-                                    </p:set>
-                                    <p:animEffect transition="in" filter="wipe(left)">
-                                      <p:cBhvr>
-                                        <p:cTn id="7" dur="500"/>
-                                        <p:tgtEl>
-                                          <p:spTgt spid="16"/>
-                                        </p:tgtEl>
-                                      </p:cBhvr>
-                                    </p:animEffect>
-                                  </p:childTnLst>
-                                </p:cTn>
-                              </p:par>
-                            </p:childTnLst>
-                          </p:cTn>
-                        </p:par>
-                      </p:childTnLst>
-                    </p:cTn>
-                  </p:par>
-                </p:childTnLst>
-              </p:cTn>
-              <p:prevCondLst>
-                <p:cond evt="onPrev" delay="0">
-                  <p:tgtEl>
-                    <p:sldTgt/>
-                  </p:tgtEl>
-                </p:cond>
-              </p:prevCondLst>
-              <p:nextCondLst>
-                <p:cond evt="onNext" delay="0">
-                  <p:tgtEl>
-                    <p:sldTgt/>
-                  </p:tgtEl>
-                </p:cond>
-              </p:nextCondLst>
-            </p:seq>
-          </p:childTnLst>
-        </p:cTn>
-      </p:par>
-    </p:tnLst>
-  </p:timing>
-</p:sld>
-</file>
-
-<file path=ppt/slides/slide20.xml><?xml version="1.0" encoding="utf-8"?>
+<file path=ppt/slides/slide23.xml><?xml version="1.0" encoding="utf-8"?>
 <p:sld xmlns:a="http://schemas.openxmlformats.org/drawingml/2006/main" xmlns:r="http://schemas.openxmlformats.org/officeDocument/2006/relationships" xmlns:p="http://schemas.openxmlformats.org/presentationml/2006/main">
   <p:cSld>
     <p:spTree>
@@ -14147,7 +15236,7 @@
 </p:sld>
 </file>
 
-<file path=ppt/slides/slide21.xml><?xml version="1.0" encoding="utf-8"?>
+<file path=ppt/slides/slide24.xml><?xml version="1.0" encoding="utf-8"?>
 <p:sld xmlns:a="http://schemas.openxmlformats.org/drawingml/2006/main" xmlns:r="http://schemas.openxmlformats.org/officeDocument/2006/relationships" xmlns:p="http://schemas.openxmlformats.org/presentationml/2006/main">
   <p:cSld>
     <p:spTree>
@@ -14274,7 +15363,7 @@
 </p:sld>
 </file>
 
-<file path=ppt/slides/slide22.xml><?xml version="1.0" encoding="utf-8"?>
+<file path=ppt/slides/slide25.xml><?xml version="1.0" encoding="utf-8"?>
 <p:sld xmlns:a="http://schemas.openxmlformats.org/drawingml/2006/main" xmlns:r="http://schemas.openxmlformats.org/officeDocument/2006/relationships" xmlns:p="http://schemas.openxmlformats.org/presentationml/2006/main">
   <p:cSld>
     <p:spTree>
@@ -14403,7 +15492,7 @@
 </p:sld>
 </file>
 
-<file path=ppt/slides/slide23.xml><?xml version="1.0" encoding="utf-8"?>
+<file path=ppt/slides/slide26.xml><?xml version="1.0" encoding="utf-8"?>
 <p:sld xmlns:a="http://schemas.openxmlformats.org/drawingml/2006/main" xmlns:r="http://schemas.openxmlformats.org/officeDocument/2006/relationships" xmlns:p="http://schemas.openxmlformats.org/presentationml/2006/main">
   <p:cSld>
     <p:spTree>
@@ -14543,11 +15632,7 @@
           <a:p>
             <a:r>
               <a:rPr lang="pl-PL" dirty="0" smtClean="0"/>
-              <a:t>Wst</a:t>
-            </a:r>
-            <a:r>
-              <a:rPr lang="pl-PL" dirty="0" smtClean="0"/>
-              <a:t>ęp</a:t>
+              <a:t>Wstęp</a:t>
             </a:r>
             <a:endParaRPr lang="pl-PL" dirty="0"/>
           </a:p>
@@ -15763,11 +16848,97 @@
           <a:p>
             <a:r>
               <a:rPr lang="pl-PL" dirty="0" smtClean="0"/>
-              <a:t>Wst</a:t>
-            </a:r>
+              <a:t>Wstęp</a:t>
+            </a:r>
+            <a:endParaRPr lang="pl-PL" dirty="0"/>
+          </a:p>
+        </p:txBody>
+      </p:sp>
+      <p:pic>
+        <p:nvPicPr>
+          <p:cNvPr id="4" name="Obraz 3"/>
+          <p:cNvPicPr>
+            <a:picLocks noChangeAspect="1"/>
+          </p:cNvPicPr>
+          <p:nvPr/>
+        </p:nvPicPr>
+        <p:blipFill>
+          <a:blip r:embed="rId2">
+            <a:extLst>
+              <a:ext uri="{28A0092B-C50C-407E-A947-70E740481C1C}">
+                <a14:useLocalDpi xmlns:a14="http://schemas.microsoft.com/office/drawing/2010/main" val="0"/>
+              </a:ext>
+            </a:extLst>
+          </a:blip>
+          <a:stretch>
+            <a:fillRect/>
+          </a:stretch>
+        </p:blipFill>
+        <p:spPr>
+          <a:xfrm>
+            <a:off x="772650" y="1264555"/>
+            <a:ext cx="7671598" cy="5114399"/>
+          </a:xfrm>
+          <a:prstGeom prst="rect">
+            <a:avLst/>
+          </a:prstGeom>
+        </p:spPr>
+      </p:pic>
+    </p:spTree>
+    <p:extLst>
+      <p:ext uri="{BB962C8B-B14F-4D97-AF65-F5344CB8AC3E}">
+        <p14:creationId xmlns:p14="http://schemas.microsoft.com/office/powerpoint/2010/main" val="2410620729"/>
+      </p:ext>
+    </p:extLst>
+  </p:cSld>
+  <p:clrMapOvr>
+    <a:masterClrMapping/>
+  </p:clrMapOvr>
+  <p:timing>
+    <p:tnLst>
+      <p:par>
+        <p:cTn id="1" dur="indefinite" restart="never" nodeType="tmRoot"/>
+      </p:par>
+    </p:tnLst>
+  </p:timing>
+</p:sld>
+</file>
+
+<file path=ppt/slides/slide5.xml><?xml version="1.0" encoding="utf-8"?>
+<p:sld xmlns:a="http://schemas.openxmlformats.org/drawingml/2006/main" xmlns:r="http://schemas.openxmlformats.org/officeDocument/2006/relationships" xmlns:p="http://schemas.openxmlformats.org/presentationml/2006/main">
+  <p:cSld>
+    <p:spTree>
+      <p:nvGrpSpPr>
+        <p:cNvPr id="1" name=""/>
+        <p:cNvGrpSpPr/>
+        <p:nvPr/>
+      </p:nvGrpSpPr>
+      <p:grpSpPr>
+        <a:xfrm>
+          <a:off x="0" y="0"/>
+          <a:ext cx="0" cy="0"/>
+          <a:chOff x="0" y="0"/>
+          <a:chExt cx="0" cy="0"/>
+        </a:xfrm>
+      </p:grpSpPr>
+      <p:sp>
+        <p:nvSpPr>
+          <p:cNvPr id="2" name="Tytuł 1"/>
+          <p:cNvSpPr>
+            <a:spLocks noGrp="1"/>
+          </p:cNvSpPr>
+          <p:nvPr>
+            <p:ph type="title"/>
+          </p:nvPr>
+        </p:nvSpPr>
+        <p:spPr/>
+        <p:txBody>
+          <a:bodyPr/>
+          <a:lstStyle/>
+          <a:p>
             <a:r>
               <a:rPr lang="pl-PL" dirty="0" smtClean="0"/>
-              <a:t>ęp</a:t>
+              <a:t>Filtrowanie</a:t>
             </a:r>
             <a:endParaRPr lang="pl-PL" dirty="0"/>
           </a:p>
@@ -15800,104 +16971,44 @@
                 <a:latin typeface="Consolas" panose="020B0609020204030204" pitchFamily="49" charset="0"/>
                 <a:cs typeface="Consolas" panose="020B0609020204030204" pitchFamily="49" charset="0"/>
               </a:rPr>
-              <a:t>Zanim zaczniemy się bawić w </a:t>
-            </a:r>
-            <a:r>
-              <a:rPr lang="pl-PL" sz="1800" dirty="0" err="1">
+              <a:t>Surowy sygnał nagrany z elektrod jest nieładny </a:t>
+            </a:r>
+            <a:r>
+              <a:rPr lang="pl-PL" sz="1800" dirty="0">
                 <a:latin typeface="Consolas" panose="020B0609020204030204" pitchFamily="49" charset="0"/>
                 <a:cs typeface="Consolas" panose="020B0609020204030204" pitchFamily="49" charset="0"/>
+                <a:sym typeface="Wingdings" panose="05000000000000000000" pitchFamily="2" charset="2"/>
               </a:rPr>
-              <a:t>preprocessing</a:t>
-            </a:r>
+              <a:t></a:t>
+            </a:r>
+            <a:endParaRPr lang="pl-PL" sz="1800" dirty="0">
+              <a:latin typeface="Consolas" panose="020B0609020204030204" pitchFamily="49" charset="0"/>
+              <a:cs typeface="Consolas" panose="020B0609020204030204" pitchFamily="49" charset="0"/>
+            </a:endParaRPr>
+          </a:p>
+          <a:p>
             <a:r>
               <a:rPr lang="pl-PL" sz="1800" dirty="0">
                 <a:latin typeface="Consolas" panose="020B0609020204030204" pitchFamily="49" charset="0"/>
                 <a:cs typeface="Consolas" panose="020B0609020204030204" pitchFamily="49" charset="0"/>
               </a:rPr>
-              <a:t>:</a:t>
-            </a:r>
-          </a:p>
-          <a:p>
-            <a:pPr lvl="1"/>
-            <a:r>
-              <a:rPr lang="pl-PL" sz="1650" dirty="0">
+              <a:t>Poza tym trudno go analizować – niskie częstotliwości (związane głównie z potliwością skóry) ‚zasłaniają’ to, co ‚mózgowego’ dzieje się w sygnale</a:t>
+            </a:r>
+          </a:p>
+          <a:p>
+            <a:r>
+              <a:rPr lang="pl-PL" sz="1800" dirty="0">
                 <a:latin typeface="Consolas" panose="020B0609020204030204" pitchFamily="49" charset="0"/>
                 <a:cs typeface="Consolas" panose="020B0609020204030204" pitchFamily="49" charset="0"/>
               </a:rPr>
-              <a:t>Wgramy małego </a:t>
-            </a:r>
-            <a:r>
-              <a:rPr lang="pl-PL" sz="1650" dirty="0" err="1">
-                <a:latin typeface="Consolas" panose="020B0609020204030204" pitchFamily="49" charset="0"/>
-                <a:cs typeface="Consolas" panose="020B0609020204030204" pitchFamily="49" charset="0"/>
-              </a:rPr>
-              <a:t>patch’a</a:t>
-            </a:r>
-            <a:r>
-              <a:rPr lang="pl-PL" sz="1650" dirty="0">
-                <a:latin typeface="Consolas" panose="020B0609020204030204" pitchFamily="49" charset="0"/>
-                <a:cs typeface="Consolas" panose="020B0609020204030204" pitchFamily="49" charset="0"/>
-              </a:rPr>
-              <a:t> do </a:t>
-            </a:r>
-            <a:r>
-              <a:rPr lang="pl-PL" sz="1650" dirty="0" err="1">
-                <a:latin typeface="Consolas" panose="020B0609020204030204" pitchFamily="49" charset="0"/>
-                <a:cs typeface="Consolas" panose="020B0609020204030204" pitchFamily="49" charset="0"/>
-              </a:rPr>
-              <a:t>egglaba</a:t>
-            </a:r>
-            <a:r>
-              <a:rPr lang="pl-PL" sz="1650" dirty="0">
-                <a:latin typeface="Consolas" panose="020B0609020204030204" pitchFamily="49" charset="0"/>
-                <a:cs typeface="Consolas" panose="020B0609020204030204" pitchFamily="49" charset="0"/>
-              </a:rPr>
-              <a:t>, dzięki któremu ruszy on nam na </a:t>
-            </a:r>
-            <a:r>
-              <a:rPr lang="pl-PL" sz="1650" dirty="0" err="1">
-                <a:latin typeface="Consolas" panose="020B0609020204030204" pitchFamily="49" charset="0"/>
-                <a:cs typeface="Consolas" panose="020B0609020204030204" pitchFamily="49" charset="0"/>
-              </a:rPr>
-              <a:t>matlabie</a:t>
-            </a:r>
-            <a:r>
-              <a:rPr lang="pl-PL" sz="1650" dirty="0">
-                <a:latin typeface="Consolas" panose="020B0609020204030204" pitchFamily="49" charset="0"/>
-                <a:cs typeface="Consolas" panose="020B0609020204030204" pitchFamily="49" charset="0"/>
-              </a:rPr>
-              <a:t> 2007b</a:t>
-            </a:r>
-          </a:p>
-          <a:p>
-            <a:pPr lvl="1"/>
-            <a:r>
-              <a:rPr lang="pl-PL" sz="1650" dirty="0">
-                <a:latin typeface="Consolas" panose="020B0609020204030204" pitchFamily="49" charset="0"/>
-                <a:cs typeface="Consolas" panose="020B0609020204030204" pitchFamily="49" charset="0"/>
-              </a:rPr>
-              <a:t>Wczytamy dane i zerkniemy w podstawowe opcje</a:t>
-            </a:r>
-          </a:p>
-          <a:p>
-            <a:pPr lvl="1"/>
-            <a:r>
-              <a:rPr lang="pl-PL" sz="1650" dirty="0">
-                <a:latin typeface="Consolas" panose="020B0609020204030204" pitchFamily="49" charset="0"/>
-                <a:cs typeface="Consolas" panose="020B0609020204030204" pitchFamily="49" charset="0"/>
-              </a:rPr>
-              <a:t>Sprawdzimy jak wygląda na początku sygnał</a:t>
-            </a:r>
-          </a:p>
-          <a:p>
-            <a:pPr lvl="1"/>
-            <a:r>
-              <a:rPr lang="pl-PL" sz="1650" dirty="0">
-                <a:latin typeface="Consolas" panose="020B0609020204030204" pitchFamily="49" charset="0"/>
-                <a:cs typeface="Consolas" panose="020B0609020204030204" pitchFamily="49" charset="0"/>
-              </a:rPr>
-              <a:t>Sprawdzimy czy są informacje na temat pozycji elektrod</a:t>
-            </a:r>
+              <a:t>Możemy odfiltrować te niskie częstotliwości z sygnału. </a:t>
+            </a:r>
+          </a:p>
+          <a:p>
+            <a:endParaRPr lang="pl-PL" sz="1800" dirty="0">
+              <a:latin typeface="Consolas" panose="020B0609020204030204" pitchFamily="49" charset="0"/>
+              <a:cs typeface="Consolas" panose="020B0609020204030204" pitchFamily="49" charset="0"/>
+            </a:endParaRPr>
           </a:p>
         </p:txBody>
       </p:sp>
@@ -16117,625 +17228,6 @@
               <a:rPr lang="pl-PL" sz="1350" b="1" dirty="0"/>
               <a:t> oraz jego automatyzacja</a:t>
             </a:r>
-            <a:endParaRPr lang="pl-PL" sz="1350" b="1" dirty="0"/>
-          </a:p>
-        </p:txBody>
-      </p:sp>
-    </p:spTree>
-    <p:extLst>
-      <p:ext uri="{BB962C8B-B14F-4D97-AF65-F5344CB8AC3E}">
-        <p14:creationId xmlns:p14="http://schemas.microsoft.com/office/powerpoint/2010/main" val="2014409387"/>
-      </p:ext>
-    </p:extLst>
-  </p:cSld>
-  <p:clrMapOvr>
-    <a:masterClrMapping/>
-  </p:clrMapOvr>
-  <p:timing>
-    <p:tnLst>
-      <p:par>
-        <p:cTn id="1" dur="indefinite" restart="never" nodeType="tmRoot">
-          <p:childTnLst>
-            <p:seq concurrent="1" nextAc="seek">
-              <p:cTn id="2" dur="indefinite" nodeType="mainSeq">
-                <p:childTnLst>
-                  <p:par>
-                    <p:cTn id="3" fill="hold">
-                      <p:stCondLst>
-                        <p:cond delay="indefinite"/>
-                      </p:stCondLst>
-                      <p:childTnLst>
-                        <p:par>
-                          <p:cTn id="4" fill="hold">
-                            <p:stCondLst>
-                              <p:cond delay="0"/>
-                            </p:stCondLst>
-                            <p:childTnLst>
-                              <p:par>
-                                <p:cTn id="5" presetID="22" presetClass="entr" presetSubtype="8" fill="hold" grpId="0" nodeType="clickEffect">
-                                  <p:stCondLst>
-                                    <p:cond delay="0"/>
-                                  </p:stCondLst>
-                                  <p:childTnLst>
-                                    <p:set>
-                                      <p:cBhvr>
-                                        <p:cTn id="6" dur="1" fill="hold">
-                                          <p:stCondLst>
-                                            <p:cond delay="0"/>
-                                          </p:stCondLst>
-                                        </p:cTn>
-                                        <p:tgtEl>
-                                          <p:spTgt spid="29">
-                                            <p:txEl>
-                                              <p:pRg st="0" end="0"/>
-                                            </p:txEl>
-                                          </p:spTgt>
-                                        </p:tgtEl>
-                                        <p:attrNameLst>
-                                          <p:attrName>style.visibility</p:attrName>
-                                        </p:attrNameLst>
-                                      </p:cBhvr>
-                                      <p:to>
-                                        <p:strVal val="visible"/>
-                                      </p:to>
-                                    </p:set>
-                                    <p:animEffect transition="in" filter="wipe(left)">
-                                      <p:cBhvr>
-                                        <p:cTn id="7" dur="500"/>
-                                        <p:tgtEl>
-                                          <p:spTgt spid="29">
-                                            <p:txEl>
-                                              <p:pRg st="0" end="0"/>
-                                            </p:txEl>
-                                          </p:spTgt>
-                                        </p:tgtEl>
-                                      </p:cBhvr>
-                                    </p:animEffect>
-                                  </p:childTnLst>
-                                </p:cTn>
-                              </p:par>
-                              <p:par>
-                                <p:cTn id="8" presetID="22" presetClass="entr" presetSubtype="8" fill="hold" grpId="0" nodeType="withEffect">
-                                  <p:stCondLst>
-                                    <p:cond delay="0"/>
-                                  </p:stCondLst>
-                                  <p:childTnLst>
-                                    <p:set>
-                                      <p:cBhvr>
-                                        <p:cTn id="9" dur="1" fill="hold">
-                                          <p:stCondLst>
-                                            <p:cond delay="0"/>
-                                          </p:stCondLst>
-                                        </p:cTn>
-                                        <p:tgtEl>
-                                          <p:spTgt spid="29">
-                                            <p:txEl>
-                                              <p:pRg st="1" end="1"/>
-                                            </p:txEl>
-                                          </p:spTgt>
-                                        </p:tgtEl>
-                                        <p:attrNameLst>
-                                          <p:attrName>style.visibility</p:attrName>
-                                        </p:attrNameLst>
-                                      </p:cBhvr>
-                                      <p:to>
-                                        <p:strVal val="visible"/>
-                                      </p:to>
-                                    </p:set>
-                                    <p:animEffect transition="in" filter="wipe(left)">
-                                      <p:cBhvr>
-                                        <p:cTn id="10" dur="500"/>
-                                        <p:tgtEl>
-                                          <p:spTgt spid="29">
-                                            <p:txEl>
-                                              <p:pRg st="1" end="1"/>
-                                            </p:txEl>
-                                          </p:spTgt>
-                                        </p:tgtEl>
-                                      </p:cBhvr>
-                                    </p:animEffect>
-                                  </p:childTnLst>
-                                </p:cTn>
-                              </p:par>
-                              <p:par>
-                                <p:cTn id="11" presetID="22" presetClass="entr" presetSubtype="8" fill="hold" grpId="0" nodeType="withEffect">
-                                  <p:stCondLst>
-                                    <p:cond delay="0"/>
-                                  </p:stCondLst>
-                                  <p:childTnLst>
-                                    <p:set>
-                                      <p:cBhvr>
-                                        <p:cTn id="12" dur="1" fill="hold">
-                                          <p:stCondLst>
-                                            <p:cond delay="0"/>
-                                          </p:stCondLst>
-                                        </p:cTn>
-                                        <p:tgtEl>
-                                          <p:spTgt spid="29">
-                                            <p:txEl>
-                                              <p:pRg st="2" end="2"/>
-                                            </p:txEl>
-                                          </p:spTgt>
-                                        </p:tgtEl>
-                                        <p:attrNameLst>
-                                          <p:attrName>style.visibility</p:attrName>
-                                        </p:attrNameLst>
-                                      </p:cBhvr>
-                                      <p:to>
-                                        <p:strVal val="visible"/>
-                                      </p:to>
-                                    </p:set>
-                                    <p:animEffect transition="in" filter="wipe(left)">
-                                      <p:cBhvr>
-                                        <p:cTn id="13" dur="500"/>
-                                        <p:tgtEl>
-                                          <p:spTgt spid="29">
-                                            <p:txEl>
-                                              <p:pRg st="2" end="2"/>
-                                            </p:txEl>
-                                          </p:spTgt>
-                                        </p:tgtEl>
-                                      </p:cBhvr>
-                                    </p:animEffect>
-                                  </p:childTnLst>
-                                </p:cTn>
-                              </p:par>
-                              <p:par>
-                                <p:cTn id="14" presetID="22" presetClass="entr" presetSubtype="8" fill="hold" grpId="0" nodeType="withEffect">
-                                  <p:stCondLst>
-                                    <p:cond delay="0"/>
-                                  </p:stCondLst>
-                                  <p:childTnLst>
-                                    <p:set>
-                                      <p:cBhvr>
-                                        <p:cTn id="15" dur="1" fill="hold">
-                                          <p:stCondLst>
-                                            <p:cond delay="0"/>
-                                          </p:stCondLst>
-                                        </p:cTn>
-                                        <p:tgtEl>
-                                          <p:spTgt spid="29">
-                                            <p:txEl>
-                                              <p:pRg st="3" end="3"/>
-                                            </p:txEl>
-                                          </p:spTgt>
-                                        </p:tgtEl>
-                                        <p:attrNameLst>
-                                          <p:attrName>style.visibility</p:attrName>
-                                        </p:attrNameLst>
-                                      </p:cBhvr>
-                                      <p:to>
-                                        <p:strVal val="visible"/>
-                                      </p:to>
-                                    </p:set>
-                                    <p:animEffect transition="in" filter="wipe(left)">
-                                      <p:cBhvr>
-                                        <p:cTn id="16" dur="500"/>
-                                        <p:tgtEl>
-                                          <p:spTgt spid="29">
-                                            <p:txEl>
-                                              <p:pRg st="3" end="3"/>
-                                            </p:txEl>
-                                          </p:spTgt>
-                                        </p:tgtEl>
-                                      </p:cBhvr>
-                                    </p:animEffect>
-                                  </p:childTnLst>
-                                </p:cTn>
-                              </p:par>
-                              <p:par>
-                                <p:cTn id="17" presetID="22" presetClass="entr" presetSubtype="8" fill="hold" grpId="0" nodeType="withEffect">
-                                  <p:stCondLst>
-                                    <p:cond delay="0"/>
-                                  </p:stCondLst>
-                                  <p:childTnLst>
-                                    <p:set>
-                                      <p:cBhvr>
-                                        <p:cTn id="18" dur="1" fill="hold">
-                                          <p:stCondLst>
-                                            <p:cond delay="0"/>
-                                          </p:stCondLst>
-                                        </p:cTn>
-                                        <p:tgtEl>
-                                          <p:spTgt spid="29">
-                                            <p:txEl>
-                                              <p:pRg st="4" end="4"/>
-                                            </p:txEl>
-                                          </p:spTgt>
-                                        </p:tgtEl>
-                                        <p:attrNameLst>
-                                          <p:attrName>style.visibility</p:attrName>
-                                        </p:attrNameLst>
-                                      </p:cBhvr>
-                                      <p:to>
-                                        <p:strVal val="visible"/>
-                                      </p:to>
-                                    </p:set>
-                                    <p:animEffect transition="in" filter="wipe(left)">
-                                      <p:cBhvr>
-                                        <p:cTn id="19" dur="500"/>
-                                        <p:tgtEl>
-                                          <p:spTgt spid="29">
-                                            <p:txEl>
-                                              <p:pRg st="4" end="4"/>
-                                            </p:txEl>
-                                          </p:spTgt>
-                                        </p:tgtEl>
-                                      </p:cBhvr>
-                                    </p:animEffect>
-                                  </p:childTnLst>
-                                </p:cTn>
-                              </p:par>
-                            </p:childTnLst>
-                          </p:cTn>
-                        </p:par>
-                      </p:childTnLst>
-                    </p:cTn>
-                  </p:par>
-                </p:childTnLst>
-              </p:cTn>
-              <p:prevCondLst>
-                <p:cond evt="onPrev" delay="0">
-                  <p:tgtEl>
-                    <p:sldTgt/>
-                  </p:tgtEl>
-                </p:cond>
-              </p:prevCondLst>
-              <p:nextCondLst>
-                <p:cond evt="onNext" delay="0">
-                  <p:tgtEl>
-                    <p:sldTgt/>
-                  </p:tgtEl>
-                </p:cond>
-              </p:nextCondLst>
-            </p:seq>
-          </p:childTnLst>
-        </p:cTn>
-      </p:par>
-    </p:tnLst>
-    <p:bldLst>
-      <p:bldP spid="29" grpId="0" build="p"/>
-    </p:bldLst>
-  </p:timing>
-</p:sld>
-</file>
-
-<file path=ppt/slides/slide5.xml><?xml version="1.0" encoding="utf-8"?>
-<p:sld xmlns:a="http://schemas.openxmlformats.org/drawingml/2006/main" xmlns:r="http://schemas.openxmlformats.org/officeDocument/2006/relationships" xmlns:p="http://schemas.openxmlformats.org/presentationml/2006/main">
-  <p:cSld>
-    <p:spTree>
-      <p:nvGrpSpPr>
-        <p:cNvPr id="1" name=""/>
-        <p:cNvGrpSpPr/>
-        <p:nvPr/>
-      </p:nvGrpSpPr>
-      <p:grpSpPr>
-        <a:xfrm>
-          <a:off x="0" y="0"/>
-          <a:ext cx="0" cy="0"/>
-          <a:chOff x="0" y="0"/>
-          <a:chExt cx="0" cy="0"/>
-        </a:xfrm>
-      </p:grpSpPr>
-      <p:sp>
-        <p:nvSpPr>
-          <p:cNvPr id="2" name="Tytuł 1"/>
-          <p:cNvSpPr>
-            <a:spLocks noGrp="1"/>
-          </p:cNvSpPr>
-          <p:nvPr>
-            <p:ph type="title"/>
-          </p:nvPr>
-        </p:nvSpPr>
-        <p:spPr/>
-        <p:txBody>
-          <a:bodyPr/>
-          <a:lstStyle/>
-          <a:p>
-            <a:r>
-              <a:rPr lang="pl-PL" dirty="0" smtClean="0"/>
-              <a:t>Filtrowanie</a:t>
-            </a:r>
-            <a:endParaRPr lang="pl-PL" dirty="0"/>
-          </a:p>
-        </p:txBody>
-      </p:sp>
-      <p:sp>
-        <p:nvSpPr>
-          <p:cNvPr id="29" name="Symbol zastępczy zawartości 2"/>
-          <p:cNvSpPr>
-            <a:spLocks noGrp="1"/>
-          </p:cNvSpPr>
-          <p:nvPr>
-            <p:ph idx="1"/>
-          </p:nvPr>
-        </p:nvSpPr>
-        <p:spPr>
-          <a:xfrm>
-            <a:off x="2176226" y="2007596"/>
-            <a:ext cx="6056208" cy="3922103"/>
-          </a:xfrm>
-        </p:spPr>
-        <p:txBody>
-          <a:bodyPr>
-            <a:noAutofit/>
-          </a:bodyPr>
-          <a:lstStyle/>
-          <a:p>
-            <a:r>
-              <a:rPr lang="pl-PL" sz="1800" dirty="0">
-                <a:latin typeface="Consolas" panose="020B0609020204030204" pitchFamily="49" charset="0"/>
-                <a:cs typeface="Consolas" panose="020B0609020204030204" pitchFamily="49" charset="0"/>
-              </a:rPr>
-              <a:t>Surowy sygnał nagrany z elektrod jest nieładny </a:t>
-            </a:r>
-            <a:r>
-              <a:rPr lang="pl-PL" sz="1800" dirty="0">
-                <a:latin typeface="Consolas" panose="020B0609020204030204" pitchFamily="49" charset="0"/>
-                <a:cs typeface="Consolas" panose="020B0609020204030204" pitchFamily="49" charset="0"/>
-                <a:sym typeface="Wingdings" panose="05000000000000000000" pitchFamily="2" charset="2"/>
-              </a:rPr>
-              <a:t></a:t>
-            </a:r>
-            <a:endParaRPr lang="pl-PL" sz="1800" dirty="0">
-              <a:latin typeface="Consolas" panose="020B0609020204030204" pitchFamily="49" charset="0"/>
-              <a:cs typeface="Consolas" panose="020B0609020204030204" pitchFamily="49" charset="0"/>
-            </a:endParaRPr>
-          </a:p>
-          <a:p>
-            <a:r>
-              <a:rPr lang="pl-PL" sz="1800" dirty="0">
-                <a:latin typeface="Consolas" panose="020B0609020204030204" pitchFamily="49" charset="0"/>
-                <a:cs typeface="Consolas" panose="020B0609020204030204" pitchFamily="49" charset="0"/>
-              </a:rPr>
-              <a:t>Poza tym trudno go analizować – niskie częstotliwości (związane głównie z potliwością skóry) ‚zasłaniają’ to, co ‚mózgowego’ dzieje się w sygnale</a:t>
-            </a:r>
-          </a:p>
-          <a:p>
-            <a:r>
-              <a:rPr lang="pl-PL" sz="1800" dirty="0">
-                <a:latin typeface="Consolas" panose="020B0609020204030204" pitchFamily="49" charset="0"/>
-                <a:cs typeface="Consolas" panose="020B0609020204030204" pitchFamily="49" charset="0"/>
-              </a:rPr>
-              <a:t>Możemy odfiltrować te niskie częstotliwości z sygnału.</a:t>
-            </a:r>
-            <a:r>
-              <a:rPr lang="pl-PL" sz="1800" dirty="0">
-                <a:latin typeface="Consolas" panose="020B0609020204030204" pitchFamily="49" charset="0"/>
-                <a:cs typeface="Consolas" panose="020B0609020204030204" pitchFamily="49" charset="0"/>
-              </a:rPr>
-              <a:t> </a:t>
-            </a:r>
-            <a:endParaRPr lang="pl-PL" sz="1800" dirty="0">
-              <a:latin typeface="Consolas" panose="020B0609020204030204" pitchFamily="49" charset="0"/>
-              <a:cs typeface="Consolas" panose="020B0609020204030204" pitchFamily="49" charset="0"/>
-            </a:endParaRPr>
-          </a:p>
-          <a:p>
-            <a:endParaRPr lang="pl-PL" sz="1800" dirty="0">
-              <a:latin typeface="Consolas" panose="020B0609020204030204" pitchFamily="49" charset="0"/>
-              <a:cs typeface="Consolas" panose="020B0609020204030204" pitchFamily="49" charset="0"/>
-            </a:endParaRPr>
-          </a:p>
-        </p:txBody>
-      </p:sp>
-      <p:grpSp>
-        <p:nvGrpSpPr>
-          <p:cNvPr id="13" name="Grupa 12"/>
-          <p:cNvGrpSpPr/>
-          <p:nvPr/>
-        </p:nvGrpSpPr>
-        <p:grpSpPr>
-          <a:xfrm>
-            <a:off x="284952" y="1834978"/>
-            <a:ext cx="1600200" cy="1499801"/>
-            <a:chOff x="1762897" y="1633151"/>
-            <a:chExt cx="2133600" cy="1999735"/>
-          </a:xfrm>
-        </p:grpSpPr>
-        <p:sp>
-          <p:nvSpPr>
-            <p:cNvPr id="14" name="Prostokąt 13"/>
-            <p:cNvSpPr/>
-            <p:nvPr/>
-          </p:nvSpPr>
-          <p:spPr>
-            <a:xfrm>
-              <a:off x="1762897" y="1633151"/>
-              <a:ext cx="2133600" cy="1999735"/>
-            </a:xfrm>
-            <a:prstGeom prst="rect">
-              <a:avLst/>
-            </a:prstGeom>
-          </p:spPr>
-          <p:style>
-            <a:lnRef idx="2">
-              <a:schemeClr val="accent1">
-                <a:shade val="50000"/>
-              </a:schemeClr>
-            </a:lnRef>
-            <a:fillRef idx="1">
-              <a:schemeClr val="accent1"/>
-            </a:fillRef>
-            <a:effectRef idx="0">
-              <a:schemeClr val="accent1"/>
-            </a:effectRef>
-            <a:fontRef idx="minor">
-              <a:schemeClr val="lt1"/>
-            </a:fontRef>
-          </p:style>
-          <p:txBody>
-            <a:bodyPr rtlCol="0" anchor="ctr"/>
-            <a:lstStyle/>
-            <a:p>
-              <a:pPr algn="ctr"/>
-              <a:endParaRPr lang="pl-PL" sz="1350"/>
-            </a:p>
-          </p:txBody>
-        </p:sp>
-        <p:sp>
-          <p:nvSpPr>
-            <p:cNvPr id="15" name="Prostokąt 14"/>
-            <p:cNvSpPr/>
-            <p:nvPr/>
-          </p:nvSpPr>
-          <p:spPr>
-            <a:xfrm>
-              <a:off x="1841758" y="1695387"/>
-              <a:ext cx="1964123" cy="1855122"/>
-            </a:xfrm>
-            <a:prstGeom prst="rect">
-              <a:avLst/>
-            </a:prstGeom>
-            <a:solidFill>
-              <a:schemeClr val="bg1">
-                <a:lumMod val="95000"/>
-              </a:schemeClr>
-            </a:solidFill>
-            <a:ln>
-              <a:noFill/>
-            </a:ln>
-          </p:spPr>
-          <p:style>
-            <a:lnRef idx="2">
-              <a:schemeClr val="accent1">
-                <a:shade val="50000"/>
-              </a:schemeClr>
-            </a:lnRef>
-            <a:fillRef idx="1">
-              <a:schemeClr val="accent1"/>
-            </a:fillRef>
-            <a:effectRef idx="0">
-              <a:schemeClr val="accent1"/>
-            </a:effectRef>
-            <a:fontRef idx="minor">
-              <a:schemeClr val="lt1"/>
-            </a:fontRef>
-          </p:style>
-          <p:txBody>
-            <a:bodyPr rtlCol="0" anchor="ctr"/>
-            <a:lstStyle/>
-            <a:p>
-              <a:pPr algn="ctr"/>
-              <a:endParaRPr lang="pl-PL" sz="1350"/>
-            </a:p>
-          </p:txBody>
-        </p:sp>
-      </p:grpSp>
-      <p:pic>
-        <p:nvPicPr>
-          <p:cNvPr id="2052" name="Picture 4" descr="http://www.mathworks.com/help/matlab/matlab_prog/publish_code.png"/>
-          <p:cNvPicPr>
-            <a:picLocks noChangeAspect="1" noChangeArrowheads="1"/>
-          </p:cNvPicPr>
-          <p:nvPr/>
-        </p:nvPicPr>
-        <p:blipFill>
-          <a:blip r:embed="rId2">
-            <a:extLst>
-              <a:ext uri="{28A0092B-C50C-407E-A947-70E740481C1C}">
-                <a14:useLocalDpi xmlns:a14="http://schemas.microsoft.com/office/drawing/2010/main" val="0"/>
-              </a:ext>
-            </a:extLst>
-          </a:blip>
-          <a:srcRect/>
-          <a:stretch>
-            <a:fillRect/>
-          </a:stretch>
-        </p:blipFill>
-        <p:spPr bwMode="auto">
-          <a:xfrm>
-            <a:off x="405259" y="1979933"/>
-            <a:ext cx="573714" cy="882637"/>
-          </a:xfrm>
-          <a:prstGeom prst="rect">
-            <a:avLst/>
-          </a:prstGeom>
-          <a:noFill/>
-          <a:extLst>
-            <a:ext uri="{909E8E84-426E-40DD-AFC4-6F175D3DCCD1}">
-              <a14:hiddenFill xmlns:a14="http://schemas.microsoft.com/office/drawing/2010/main">
-                <a:solidFill>
-                  <a:srgbClr val="FFFFFF"/>
-                </a:solidFill>
-              </a14:hiddenFill>
-            </a:ext>
-          </a:extLst>
-        </p:spPr>
-      </p:pic>
-      <p:pic>
-        <p:nvPicPr>
-          <p:cNvPr id="18" name="Picture 2" descr="http://www.thecarsecrets.net/gallery/how-automatic-transmission-works/how_automatic_transmission_works.jpg"/>
-          <p:cNvPicPr>
-            <a:picLocks noChangeAspect="1" noChangeArrowheads="1"/>
-          </p:cNvPicPr>
-          <p:nvPr/>
-        </p:nvPicPr>
-        <p:blipFill>
-          <a:blip r:embed="rId3">
-            <a:extLst>
-              <a:ext uri="{28A0092B-C50C-407E-A947-70E740481C1C}">
-                <a14:useLocalDpi xmlns:a14="http://schemas.microsoft.com/office/drawing/2010/main" val="0"/>
-              </a:ext>
-            </a:extLst>
-          </a:blip>
-          <a:srcRect/>
-          <a:stretch>
-            <a:fillRect/>
-          </a:stretch>
-        </p:blipFill>
-        <p:spPr bwMode="auto">
-          <a:xfrm>
-            <a:off x="826149" y="2474366"/>
-            <a:ext cx="929187" cy="619458"/>
-          </a:xfrm>
-          <a:prstGeom prst="rect">
-            <a:avLst/>
-          </a:prstGeom>
-          <a:noFill/>
-          <a:extLst>
-            <a:ext uri="{909E8E84-426E-40DD-AFC4-6F175D3DCCD1}">
-              <a14:hiddenFill xmlns:a14="http://schemas.microsoft.com/office/drawing/2010/main">
-                <a:solidFill>
-                  <a:srgbClr val="FFFFFF"/>
-                </a:solidFill>
-              </a14:hiddenFill>
-            </a:ext>
-          </a:extLst>
-        </p:spPr>
-      </p:pic>
-      <p:sp>
-        <p:nvSpPr>
-          <p:cNvPr id="34" name="pole tekstowe 33"/>
-          <p:cNvSpPr txBox="1"/>
-          <p:nvPr/>
-        </p:nvSpPr>
-        <p:spPr>
-          <a:xfrm>
-            <a:off x="280544" y="3381456"/>
-            <a:ext cx="1600200" cy="715581"/>
-          </a:xfrm>
-          <a:prstGeom prst="rect">
-            <a:avLst/>
-          </a:prstGeom>
-          <a:noFill/>
-        </p:spPr>
-        <p:txBody>
-          <a:bodyPr wrap="square" rtlCol="0">
-            <a:spAutoFit/>
-          </a:bodyPr>
-          <a:lstStyle/>
-          <a:p>
-            <a:pPr algn="ctr"/>
-            <a:r>
-              <a:rPr lang="pl-PL" sz="1350" b="1" dirty="0" err="1"/>
-              <a:t>preprocessing</a:t>
-            </a:r>
-            <a:r>
-              <a:rPr lang="pl-PL" sz="1350" b="1" dirty="0"/>
-              <a:t> oraz jego automatyzacja</a:t>
-            </a:r>
-            <a:endParaRPr lang="pl-PL" sz="1350" b="1" dirty="0"/>
           </a:p>
         </p:txBody>
       </p:sp>
@@ -17071,6 +17563,413 @@
             <p:ph type="title"/>
           </p:nvPr>
         </p:nvSpPr>
+        <p:spPr>
+          <a:xfrm>
+            <a:off x="1399816" y="633294"/>
+            <a:ext cx="6589199" cy="1280890"/>
+          </a:xfrm>
+        </p:spPr>
+        <p:txBody>
+          <a:bodyPr/>
+          <a:lstStyle/>
+          <a:p>
+            <a:r>
+              <a:rPr lang="pl-PL" dirty="0" smtClean="0"/>
+              <a:t>Filtrowanie</a:t>
+            </a:r>
+            <a:endParaRPr lang="pl-PL" dirty="0"/>
+          </a:p>
+        </p:txBody>
+      </p:sp>
+      <p:grpSp>
+        <p:nvGrpSpPr>
+          <p:cNvPr id="13" name="Grupa 12"/>
+          <p:cNvGrpSpPr/>
+          <p:nvPr/>
+        </p:nvGrpSpPr>
+        <p:grpSpPr>
+          <a:xfrm>
+            <a:off x="284952" y="1834978"/>
+            <a:ext cx="1600200" cy="1499801"/>
+            <a:chOff x="1762897" y="1633151"/>
+            <a:chExt cx="2133600" cy="1999735"/>
+          </a:xfrm>
+        </p:grpSpPr>
+        <p:sp>
+          <p:nvSpPr>
+            <p:cNvPr id="14" name="Prostokąt 13"/>
+            <p:cNvSpPr/>
+            <p:nvPr/>
+          </p:nvSpPr>
+          <p:spPr>
+            <a:xfrm>
+              <a:off x="1762897" y="1633151"/>
+              <a:ext cx="2133600" cy="1999735"/>
+            </a:xfrm>
+            <a:prstGeom prst="rect">
+              <a:avLst/>
+            </a:prstGeom>
+          </p:spPr>
+          <p:style>
+            <a:lnRef idx="2">
+              <a:schemeClr val="accent1">
+                <a:shade val="50000"/>
+              </a:schemeClr>
+            </a:lnRef>
+            <a:fillRef idx="1">
+              <a:schemeClr val="accent1"/>
+            </a:fillRef>
+            <a:effectRef idx="0">
+              <a:schemeClr val="accent1"/>
+            </a:effectRef>
+            <a:fontRef idx="minor">
+              <a:schemeClr val="lt1"/>
+            </a:fontRef>
+          </p:style>
+          <p:txBody>
+            <a:bodyPr rtlCol="0" anchor="ctr"/>
+            <a:lstStyle/>
+            <a:p>
+              <a:pPr algn="ctr"/>
+              <a:endParaRPr lang="pl-PL" sz="1350"/>
+            </a:p>
+          </p:txBody>
+        </p:sp>
+        <p:sp>
+          <p:nvSpPr>
+            <p:cNvPr id="15" name="Prostokąt 14"/>
+            <p:cNvSpPr/>
+            <p:nvPr/>
+          </p:nvSpPr>
+          <p:spPr>
+            <a:xfrm>
+              <a:off x="1841758" y="1695387"/>
+              <a:ext cx="1964123" cy="1855122"/>
+            </a:xfrm>
+            <a:prstGeom prst="rect">
+              <a:avLst/>
+            </a:prstGeom>
+            <a:solidFill>
+              <a:schemeClr val="bg1">
+                <a:lumMod val="95000"/>
+              </a:schemeClr>
+            </a:solidFill>
+            <a:ln>
+              <a:noFill/>
+            </a:ln>
+          </p:spPr>
+          <p:style>
+            <a:lnRef idx="2">
+              <a:schemeClr val="accent1">
+                <a:shade val="50000"/>
+              </a:schemeClr>
+            </a:lnRef>
+            <a:fillRef idx="1">
+              <a:schemeClr val="accent1"/>
+            </a:fillRef>
+            <a:effectRef idx="0">
+              <a:schemeClr val="accent1"/>
+            </a:effectRef>
+            <a:fontRef idx="minor">
+              <a:schemeClr val="lt1"/>
+            </a:fontRef>
+          </p:style>
+          <p:txBody>
+            <a:bodyPr rtlCol="0" anchor="ctr"/>
+            <a:lstStyle/>
+            <a:p>
+              <a:pPr algn="ctr"/>
+              <a:endParaRPr lang="pl-PL" sz="1350"/>
+            </a:p>
+          </p:txBody>
+        </p:sp>
+      </p:grpSp>
+      <p:pic>
+        <p:nvPicPr>
+          <p:cNvPr id="2052" name="Picture 4" descr="http://www.mathworks.com/help/matlab/matlab_prog/publish_code.png"/>
+          <p:cNvPicPr>
+            <a:picLocks noChangeAspect="1" noChangeArrowheads="1"/>
+          </p:cNvPicPr>
+          <p:nvPr/>
+        </p:nvPicPr>
+        <p:blipFill>
+          <a:blip r:embed="rId2">
+            <a:extLst>
+              <a:ext uri="{28A0092B-C50C-407E-A947-70E740481C1C}">
+                <a14:useLocalDpi xmlns:a14="http://schemas.microsoft.com/office/drawing/2010/main" val="0"/>
+              </a:ext>
+            </a:extLst>
+          </a:blip>
+          <a:srcRect/>
+          <a:stretch>
+            <a:fillRect/>
+          </a:stretch>
+        </p:blipFill>
+        <p:spPr bwMode="auto">
+          <a:xfrm>
+            <a:off x="405259" y="1979933"/>
+            <a:ext cx="573714" cy="882637"/>
+          </a:xfrm>
+          <a:prstGeom prst="rect">
+            <a:avLst/>
+          </a:prstGeom>
+          <a:noFill/>
+          <a:extLst>
+            <a:ext uri="{909E8E84-426E-40DD-AFC4-6F175D3DCCD1}">
+              <a14:hiddenFill xmlns:a14="http://schemas.microsoft.com/office/drawing/2010/main">
+                <a:solidFill>
+                  <a:srgbClr val="FFFFFF"/>
+                </a:solidFill>
+              </a14:hiddenFill>
+            </a:ext>
+          </a:extLst>
+        </p:spPr>
+      </p:pic>
+      <p:pic>
+        <p:nvPicPr>
+          <p:cNvPr id="18" name="Picture 2" descr="http://www.thecarsecrets.net/gallery/how-automatic-transmission-works/how_automatic_transmission_works.jpg"/>
+          <p:cNvPicPr>
+            <a:picLocks noChangeAspect="1" noChangeArrowheads="1"/>
+          </p:cNvPicPr>
+          <p:nvPr/>
+        </p:nvPicPr>
+        <p:blipFill>
+          <a:blip r:embed="rId3">
+            <a:extLst>
+              <a:ext uri="{28A0092B-C50C-407E-A947-70E740481C1C}">
+                <a14:useLocalDpi xmlns:a14="http://schemas.microsoft.com/office/drawing/2010/main" val="0"/>
+              </a:ext>
+            </a:extLst>
+          </a:blip>
+          <a:srcRect/>
+          <a:stretch>
+            <a:fillRect/>
+          </a:stretch>
+        </p:blipFill>
+        <p:spPr bwMode="auto">
+          <a:xfrm>
+            <a:off x="826149" y="2474366"/>
+            <a:ext cx="929187" cy="619458"/>
+          </a:xfrm>
+          <a:prstGeom prst="rect">
+            <a:avLst/>
+          </a:prstGeom>
+          <a:noFill/>
+          <a:extLst>
+            <a:ext uri="{909E8E84-426E-40DD-AFC4-6F175D3DCCD1}">
+              <a14:hiddenFill xmlns:a14="http://schemas.microsoft.com/office/drawing/2010/main">
+                <a:solidFill>
+                  <a:srgbClr val="FFFFFF"/>
+                </a:solidFill>
+              </a14:hiddenFill>
+            </a:ext>
+          </a:extLst>
+        </p:spPr>
+      </p:pic>
+      <p:sp>
+        <p:nvSpPr>
+          <p:cNvPr id="34" name="pole tekstowe 33"/>
+          <p:cNvSpPr txBox="1"/>
+          <p:nvPr/>
+        </p:nvSpPr>
+        <p:spPr>
+          <a:xfrm>
+            <a:off x="280544" y="3381456"/>
+            <a:ext cx="1600200" cy="715581"/>
+          </a:xfrm>
+          <a:prstGeom prst="rect">
+            <a:avLst/>
+          </a:prstGeom>
+          <a:noFill/>
+        </p:spPr>
+        <p:txBody>
+          <a:bodyPr wrap="square" rtlCol="0">
+            <a:spAutoFit/>
+          </a:bodyPr>
+          <a:lstStyle/>
+          <a:p>
+            <a:pPr algn="ctr"/>
+            <a:r>
+              <a:rPr lang="pl-PL" sz="1350" b="1" dirty="0" err="1"/>
+              <a:t>preprocessing</a:t>
+            </a:r>
+            <a:r>
+              <a:rPr lang="pl-PL" sz="1350" b="1" dirty="0"/>
+              <a:t> oraz jego automatyzacja</a:t>
+            </a:r>
+          </a:p>
+        </p:txBody>
+      </p:sp>
+      <p:pic>
+        <p:nvPicPr>
+          <p:cNvPr id="4" name="Obraz 3"/>
+          <p:cNvPicPr>
+            <a:picLocks noChangeAspect="1"/>
+          </p:cNvPicPr>
+          <p:nvPr/>
+        </p:nvPicPr>
+        <p:blipFill rotWithShape="1">
+          <a:blip r:embed="rId4"/>
+          <a:srcRect b="48246"/>
+          <a:stretch/>
+        </p:blipFill>
+        <p:spPr>
+          <a:xfrm>
+            <a:off x="2413373" y="1273739"/>
+            <a:ext cx="5652854" cy="1999257"/>
+          </a:xfrm>
+          <a:prstGeom prst="rect">
+            <a:avLst/>
+          </a:prstGeom>
+        </p:spPr>
+      </p:pic>
+      <p:pic>
+        <p:nvPicPr>
+          <p:cNvPr id="8" name="Obraz 7"/>
+          <p:cNvPicPr>
+            <a:picLocks noChangeAspect="1"/>
+          </p:cNvPicPr>
+          <p:nvPr/>
+        </p:nvPicPr>
+        <p:blipFill>
+          <a:blip r:embed="rId5"/>
+          <a:stretch>
+            <a:fillRect/>
+          </a:stretch>
+        </p:blipFill>
+        <p:spPr>
+          <a:xfrm>
+            <a:off x="1950165" y="3505223"/>
+            <a:ext cx="6038850" cy="3352800"/>
+          </a:xfrm>
+          <a:prstGeom prst="rect">
+            <a:avLst/>
+          </a:prstGeom>
+        </p:spPr>
+      </p:pic>
+    </p:spTree>
+    <p:extLst>
+      <p:ext uri="{BB962C8B-B14F-4D97-AF65-F5344CB8AC3E}">
+        <p14:creationId xmlns:p14="http://schemas.microsoft.com/office/powerpoint/2010/main" val="385833128"/>
+      </p:ext>
+    </p:extLst>
+  </p:cSld>
+  <p:clrMapOvr>
+    <a:masterClrMapping/>
+  </p:clrMapOvr>
+  <p:timing>
+    <p:tnLst>
+      <p:par>
+        <p:cTn id="1" dur="indefinite" restart="never" nodeType="tmRoot">
+          <p:childTnLst>
+            <p:seq concurrent="1" nextAc="seek">
+              <p:cTn id="2" dur="indefinite" nodeType="mainSeq">
+                <p:childTnLst>
+                  <p:par>
+                    <p:cTn id="3" fill="hold">
+                      <p:stCondLst>
+                        <p:cond delay="indefinite"/>
+                      </p:stCondLst>
+                      <p:childTnLst>
+                        <p:par>
+                          <p:cTn id="4" fill="hold">
+                            <p:stCondLst>
+                              <p:cond delay="0"/>
+                            </p:stCondLst>
+                            <p:childTnLst>
+                              <p:par>
+                                <p:cTn id="5" presetID="22" presetClass="entr" presetSubtype="1" fill="hold" nodeType="clickEffect">
+                                  <p:stCondLst>
+                                    <p:cond delay="0"/>
+                                  </p:stCondLst>
+                                  <p:childTnLst>
+                                    <p:set>
+                                      <p:cBhvr>
+                                        <p:cTn id="6" dur="1" fill="hold">
+                                          <p:stCondLst>
+                                            <p:cond delay="0"/>
+                                          </p:stCondLst>
+                                        </p:cTn>
+                                        <p:tgtEl>
+                                          <p:spTgt spid="4"/>
+                                        </p:tgtEl>
+                                        <p:attrNameLst>
+                                          <p:attrName>style.visibility</p:attrName>
+                                        </p:attrNameLst>
+                                      </p:cBhvr>
+                                      <p:to>
+                                        <p:strVal val="visible"/>
+                                      </p:to>
+                                    </p:set>
+                                    <p:animEffect transition="in" filter="wipe(up)">
+                                      <p:cBhvr>
+                                        <p:cTn id="7" dur="500"/>
+                                        <p:tgtEl>
+                                          <p:spTgt spid="4"/>
+                                        </p:tgtEl>
+                                      </p:cBhvr>
+                                    </p:animEffect>
+                                  </p:childTnLst>
+                                </p:cTn>
+                              </p:par>
+                            </p:childTnLst>
+                          </p:cTn>
+                        </p:par>
+                      </p:childTnLst>
+                    </p:cTn>
+                  </p:par>
+                </p:childTnLst>
+              </p:cTn>
+              <p:prevCondLst>
+                <p:cond evt="onPrev" delay="0">
+                  <p:tgtEl>
+                    <p:sldTgt/>
+                  </p:tgtEl>
+                </p:cond>
+              </p:prevCondLst>
+              <p:nextCondLst>
+                <p:cond evt="onNext" delay="0">
+                  <p:tgtEl>
+                    <p:sldTgt/>
+                  </p:tgtEl>
+                </p:cond>
+              </p:nextCondLst>
+            </p:seq>
+          </p:childTnLst>
+        </p:cTn>
+      </p:par>
+    </p:tnLst>
+  </p:timing>
+</p:sld>
+</file>
+
+<file path=ppt/slides/slide7.xml><?xml version="1.0" encoding="utf-8"?>
+<p:sld xmlns:a="http://schemas.openxmlformats.org/drawingml/2006/main" xmlns:r="http://schemas.openxmlformats.org/officeDocument/2006/relationships" xmlns:p="http://schemas.openxmlformats.org/presentationml/2006/main">
+  <p:cSld>
+    <p:spTree>
+      <p:nvGrpSpPr>
+        <p:cNvPr id="1" name=""/>
+        <p:cNvGrpSpPr/>
+        <p:nvPr/>
+      </p:nvGrpSpPr>
+      <p:grpSpPr>
+        <a:xfrm>
+          <a:off x="0" y="0"/>
+          <a:ext cx="0" cy="0"/>
+          <a:chOff x="0" y="0"/>
+          <a:chExt cx="0" cy="0"/>
+        </a:xfrm>
+      </p:grpSpPr>
+      <p:sp>
+        <p:nvSpPr>
+          <p:cNvPr id="2" name="Tytuł 1"/>
+          <p:cNvSpPr>
+            <a:spLocks noGrp="1"/>
+          </p:cNvSpPr>
+          <p:nvPr>
+            <p:ph type="title"/>
+          </p:nvPr>
+        </p:nvSpPr>
         <p:spPr/>
         <p:txBody>
           <a:bodyPr/>
@@ -17158,7 +18057,6 @@
               <a:rPr lang="pl-PL" sz="1350" dirty="0"/>
               <a:t>Surowe dane (niefiltrowane)</a:t>
             </a:r>
-            <a:endParaRPr lang="pl-PL" sz="1350" dirty="0"/>
           </a:p>
         </p:txBody>
       </p:sp>
@@ -17188,7 +18086,6 @@
               <a:rPr lang="pl-PL" sz="1350" dirty="0"/>
               <a:t>Dane przefiltrowane 1Hz górnoprzepustowo</a:t>
             </a:r>
-            <a:endParaRPr lang="pl-PL" sz="1350" dirty="0"/>
           </a:p>
         </p:txBody>
       </p:sp>
@@ -17341,7 +18238,7 @@
 </p:sld>
 </file>
 
-<file path=ppt/slides/slide7.xml><?xml version="1.0" encoding="utf-8"?>
+<file path=ppt/slides/slide8.xml><?xml version="1.0" encoding="utf-8"?>
 <p:sld xmlns:a="http://schemas.openxmlformats.org/drawingml/2006/main" xmlns:r="http://schemas.openxmlformats.org/officeDocument/2006/relationships" xmlns:p="http://schemas.openxmlformats.org/presentationml/2006/main">
   <p:cSld>
     <p:spTree>
@@ -17538,11 +18435,6 @@
               </a:rPr>
               <a:t>filtrujemy</a:t>
             </a:r>
-            <a:endParaRPr lang="pl-PL" dirty="0">
-              <a:solidFill>
-                <a:schemeClr val="bg1"/>
-              </a:solidFill>
-            </a:endParaRPr>
           </a:p>
         </p:txBody>
       </p:sp>
@@ -17611,11 +18503,6 @@
               </a:rPr>
               <a:t>(przepuszczamy górne częstotliwości)</a:t>
             </a:r>
-            <a:endParaRPr lang="pl-PL" sz="1350" b="1" dirty="0">
-              <a:solidFill>
-                <a:schemeClr val="tx1"/>
-              </a:solidFill>
-            </a:endParaRPr>
           </a:p>
         </p:txBody>
       </p:sp>
@@ -17878,7 +18765,7 @@
 </p:sld>
 </file>
 
-<file path=ppt/slides/slide8.xml><?xml version="1.0" encoding="utf-8"?>
+<file path=ppt/slides/slide9.xml><?xml version="1.0" encoding="utf-8"?>
 <p:sld xmlns:a="http://schemas.openxmlformats.org/drawingml/2006/main" xmlns:r="http://schemas.openxmlformats.org/officeDocument/2006/relationships" xmlns:p="http://schemas.openxmlformats.org/presentationml/2006/main">
   <p:cSld>
     <p:spTree>
@@ -18075,11 +18962,6 @@
               </a:rPr>
               <a:t>filtrujemy</a:t>
             </a:r>
-            <a:endParaRPr lang="pl-PL" dirty="0">
-              <a:solidFill>
-                <a:schemeClr val="bg1"/>
-              </a:solidFill>
-            </a:endParaRPr>
           </a:p>
         </p:txBody>
       </p:sp>
@@ -18148,11 +19030,6 @@
               </a:rPr>
               <a:t>(przepuszczamy dolne częstotliwości)</a:t>
             </a:r>
-            <a:endParaRPr lang="pl-PL" sz="1350" b="1" dirty="0">
-              <a:solidFill>
-                <a:schemeClr val="tx1"/>
-              </a:solidFill>
-            </a:endParaRPr>
           </a:p>
         </p:txBody>
       </p:sp>
@@ -18449,348 +19326,6 @@
 </p:sld>
 </file>
 
-<file path=ppt/slides/slide9.xml><?xml version="1.0" encoding="utf-8"?>
-<p:sld xmlns:a="http://schemas.openxmlformats.org/drawingml/2006/main" xmlns:r="http://schemas.openxmlformats.org/officeDocument/2006/relationships" xmlns:p="http://schemas.openxmlformats.org/presentationml/2006/main">
-  <p:cSld>
-    <p:spTree>
-      <p:nvGrpSpPr>
-        <p:cNvPr id="1" name=""/>
-        <p:cNvGrpSpPr/>
-        <p:nvPr/>
-      </p:nvGrpSpPr>
-      <p:grpSpPr>
-        <a:xfrm>
-          <a:off x="0" y="0"/>
-          <a:ext cx="0" cy="0"/>
-          <a:chOff x="0" y="0"/>
-          <a:chExt cx="0" cy="0"/>
-        </a:xfrm>
-      </p:grpSpPr>
-      <p:sp>
-        <p:nvSpPr>
-          <p:cNvPr id="2" name="Tytuł 1"/>
-          <p:cNvSpPr>
-            <a:spLocks noGrp="1"/>
-          </p:cNvSpPr>
-          <p:nvPr>
-            <p:ph type="title"/>
-          </p:nvPr>
-        </p:nvSpPr>
-        <p:spPr/>
-        <p:txBody>
-          <a:bodyPr>
-            <a:normAutofit fontScale="90000"/>
-          </a:bodyPr>
-          <a:lstStyle/>
-          <a:p>
-            <a:r>
-              <a:rPr lang="pl-PL" dirty="0" smtClean="0"/>
-              <a:t>Filtry są bardziej złożone, ale tego nie będziemy omawiać…</a:t>
-            </a:r>
-            <a:endParaRPr lang="pl-PL" dirty="0"/>
-          </a:p>
-        </p:txBody>
-      </p:sp>
-      <p:pic>
-        <p:nvPicPr>
-          <p:cNvPr id="9" name="Picture 2" descr="http://www.electronics-tutorials.ws/filter/fil10.gif"/>
-          <p:cNvPicPr>
-            <a:picLocks noChangeAspect="1" noChangeArrowheads="1"/>
-          </p:cNvPicPr>
-          <p:nvPr/>
-        </p:nvPicPr>
-        <p:blipFill>
-          <a:blip r:embed="rId2">
-            <a:extLst>
-              <a:ext uri="{28A0092B-C50C-407E-A947-70E740481C1C}">
-                <a14:useLocalDpi xmlns:a14="http://schemas.microsoft.com/office/drawing/2010/main" val="0"/>
-              </a:ext>
-            </a:extLst>
-          </a:blip>
-          <a:srcRect/>
-          <a:stretch>
-            <a:fillRect/>
-          </a:stretch>
-        </p:blipFill>
-        <p:spPr bwMode="auto">
-          <a:xfrm>
-            <a:off x="771525" y="2286000"/>
-            <a:ext cx="3246120" cy="3337859"/>
-          </a:xfrm>
-          <a:prstGeom prst="rect">
-            <a:avLst/>
-          </a:prstGeom>
-          <a:noFill/>
-          <a:extLst>
-            <a:ext uri="{909E8E84-426E-40DD-AFC4-6F175D3DCCD1}">
-              <a14:hiddenFill xmlns:a14="http://schemas.microsoft.com/office/drawing/2010/main">
-                <a:solidFill>
-                  <a:srgbClr val="FFFFFF"/>
-                </a:solidFill>
-              </a14:hiddenFill>
-            </a:ext>
-          </a:extLst>
-        </p:spPr>
-      </p:pic>
-      <p:pic>
-        <p:nvPicPr>
-          <p:cNvPr id="8194" name="Picture 2" descr="http://www.electronics-tutorials.ws/filter/fil82.gif"/>
-          <p:cNvPicPr>
-            <a:picLocks noChangeAspect="1" noChangeArrowheads="1"/>
-          </p:cNvPicPr>
-          <p:nvPr/>
-        </p:nvPicPr>
-        <p:blipFill>
-          <a:blip r:embed="rId3">
-            <a:extLst>
-              <a:ext uri="{28A0092B-C50C-407E-A947-70E740481C1C}">
-                <a14:useLocalDpi xmlns:a14="http://schemas.microsoft.com/office/drawing/2010/main" val="0"/>
-              </a:ext>
-            </a:extLst>
-          </a:blip>
-          <a:srcRect/>
-          <a:stretch>
-            <a:fillRect/>
-          </a:stretch>
-        </p:blipFill>
-        <p:spPr bwMode="auto">
-          <a:xfrm>
-            <a:off x="4452937" y="2785110"/>
-            <a:ext cx="4124381" cy="2372678"/>
-          </a:xfrm>
-          <a:prstGeom prst="rect">
-            <a:avLst/>
-          </a:prstGeom>
-          <a:noFill/>
-          <a:extLst>
-            <a:ext uri="{909E8E84-426E-40DD-AFC4-6F175D3DCCD1}">
-              <a14:hiddenFill xmlns:a14="http://schemas.microsoft.com/office/drawing/2010/main">
-                <a:solidFill>
-                  <a:srgbClr val="FFFFFF"/>
-                </a:solidFill>
-              </a14:hiddenFill>
-            </a:ext>
-          </a:extLst>
-        </p:spPr>
-      </p:pic>
-    </p:spTree>
-    <p:extLst>
-      <p:ext uri="{BB962C8B-B14F-4D97-AF65-F5344CB8AC3E}">
-        <p14:creationId xmlns:p14="http://schemas.microsoft.com/office/powerpoint/2010/main" val="3558336899"/>
-      </p:ext>
-    </p:extLst>
-  </p:cSld>
-  <p:clrMapOvr>
-    <a:masterClrMapping/>
-  </p:clrMapOvr>
-  <p:timing>
-    <p:tnLst>
-      <p:par>
-        <p:cTn id="1" dur="indefinite" restart="never" nodeType="tmRoot">
-          <p:childTnLst>
-            <p:seq concurrent="1" nextAc="seek">
-              <p:cTn id="2" dur="indefinite" nodeType="mainSeq">
-                <p:childTnLst>
-                  <p:par>
-                    <p:cTn id="3" fill="hold">
-                      <p:stCondLst>
-                        <p:cond delay="indefinite"/>
-                      </p:stCondLst>
-                      <p:childTnLst>
-                        <p:par>
-                          <p:cTn id="4" fill="hold">
-                            <p:stCondLst>
-                              <p:cond delay="0"/>
-                            </p:stCondLst>
-                            <p:childTnLst>
-                              <p:par>
-                                <p:cTn id="5" presetID="31" presetClass="entr" presetSubtype="0" fill="hold" nodeType="clickEffect">
-                                  <p:stCondLst>
-                                    <p:cond delay="0"/>
-                                  </p:stCondLst>
-                                  <p:childTnLst>
-                                    <p:set>
-                                      <p:cBhvr>
-                                        <p:cTn id="6" dur="1" fill="hold">
-                                          <p:stCondLst>
-                                            <p:cond delay="0"/>
-                                          </p:stCondLst>
-                                        </p:cTn>
-                                        <p:tgtEl>
-                                          <p:spTgt spid="9"/>
-                                        </p:tgtEl>
-                                        <p:attrNameLst>
-                                          <p:attrName>style.visibility</p:attrName>
-                                        </p:attrNameLst>
-                                      </p:cBhvr>
-                                      <p:to>
-                                        <p:strVal val="visible"/>
-                                      </p:to>
-                                    </p:set>
-                                    <p:anim calcmode="lin" valueType="num">
-                                      <p:cBhvr>
-                                        <p:cTn id="7" dur="1000" fill="hold"/>
-                                        <p:tgtEl>
-                                          <p:spTgt spid="9"/>
-                                        </p:tgtEl>
-                                        <p:attrNameLst>
-                                          <p:attrName>ppt_w</p:attrName>
-                                        </p:attrNameLst>
-                                      </p:cBhvr>
-                                      <p:tavLst>
-                                        <p:tav tm="0">
-                                          <p:val>
-                                            <p:fltVal val="0"/>
-                                          </p:val>
-                                        </p:tav>
-                                        <p:tav tm="100000">
-                                          <p:val>
-                                            <p:strVal val="#ppt_w"/>
-                                          </p:val>
-                                        </p:tav>
-                                      </p:tavLst>
-                                    </p:anim>
-                                    <p:anim calcmode="lin" valueType="num">
-                                      <p:cBhvr>
-                                        <p:cTn id="8" dur="1000" fill="hold"/>
-                                        <p:tgtEl>
-                                          <p:spTgt spid="9"/>
-                                        </p:tgtEl>
-                                        <p:attrNameLst>
-                                          <p:attrName>ppt_h</p:attrName>
-                                        </p:attrNameLst>
-                                      </p:cBhvr>
-                                      <p:tavLst>
-                                        <p:tav tm="0">
-                                          <p:val>
-                                            <p:fltVal val="0"/>
-                                          </p:val>
-                                        </p:tav>
-                                        <p:tav tm="100000">
-                                          <p:val>
-                                            <p:strVal val="#ppt_h"/>
-                                          </p:val>
-                                        </p:tav>
-                                      </p:tavLst>
-                                    </p:anim>
-                                    <p:anim calcmode="lin" valueType="num">
-                                      <p:cBhvr>
-                                        <p:cTn id="9" dur="1000" fill="hold"/>
-                                        <p:tgtEl>
-                                          <p:spTgt spid="9"/>
-                                        </p:tgtEl>
-                                        <p:attrNameLst>
-                                          <p:attrName>style.rotation</p:attrName>
-                                        </p:attrNameLst>
-                                      </p:cBhvr>
-                                      <p:tavLst>
-                                        <p:tav tm="0">
-                                          <p:val>
-                                            <p:fltVal val="90"/>
-                                          </p:val>
-                                        </p:tav>
-                                        <p:tav tm="100000">
-                                          <p:val>
-                                            <p:fltVal val="0"/>
-                                          </p:val>
-                                        </p:tav>
-                                      </p:tavLst>
-                                    </p:anim>
-                                    <p:animEffect transition="in" filter="fade">
-                                      <p:cBhvr>
-                                        <p:cTn id="10" dur="1000"/>
-                                        <p:tgtEl>
-                                          <p:spTgt spid="9"/>
-                                        </p:tgtEl>
-                                      </p:cBhvr>
-                                    </p:animEffect>
-                                  </p:childTnLst>
-                                </p:cTn>
-                              </p:par>
-                            </p:childTnLst>
-                          </p:cTn>
-                        </p:par>
-                      </p:childTnLst>
-                    </p:cTn>
-                  </p:par>
-                  <p:par>
-                    <p:cTn id="11" fill="hold">
-                      <p:stCondLst>
-                        <p:cond delay="indefinite"/>
-                      </p:stCondLst>
-                      <p:childTnLst>
-                        <p:par>
-                          <p:cTn id="12" fill="hold">
-                            <p:stCondLst>
-                              <p:cond delay="0"/>
-                            </p:stCondLst>
-                            <p:childTnLst>
-                              <p:par>
-                                <p:cTn id="13" presetID="21" presetClass="entr" presetSubtype="1" fill="hold" nodeType="clickEffect">
-                                  <p:stCondLst>
-                                    <p:cond delay="0"/>
-                                  </p:stCondLst>
-                                  <p:childTnLst>
-                                    <p:set>
-                                      <p:cBhvr>
-                                        <p:cTn id="14" dur="1" fill="hold">
-                                          <p:stCondLst>
-                                            <p:cond delay="0"/>
-                                          </p:stCondLst>
-                                        </p:cTn>
-                                        <p:tgtEl>
-                                          <p:spTgt spid="8194"/>
-                                        </p:tgtEl>
-                                        <p:attrNameLst>
-                                          <p:attrName>style.visibility</p:attrName>
-                                        </p:attrNameLst>
-                                      </p:cBhvr>
-                                      <p:to>
-                                        <p:strVal val="visible"/>
-                                      </p:to>
-                                    </p:set>
-                                    <p:animEffect transition="in" filter="wheel(1)">
-                                      <p:cBhvr>
-                                        <p:cTn id="15" dur="2000"/>
-                                        <p:tgtEl>
-                                          <p:spTgt spid="8194"/>
-                                        </p:tgtEl>
-                                      </p:cBhvr>
-                                    </p:animEffect>
-                                  </p:childTnLst>
-                                </p:cTn>
-                              </p:par>
-                            </p:childTnLst>
-                          </p:cTn>
-                        </p:par>
-                      </p:childTnLst>
-                    </p:cTn>
-                  </p:par>
-                </p:childTnLst>
-              </p:cTn>
-              <p:prevCondLst>
-                <p:cond evt="onPrev" delay="0">
-                  <p:tgtEl>
-                    <p:sldTgt/>
-                  </p:tgtEl>
-                </p:cond>
-              </p:prevCondLst>
-              <p:nextCondLst>
-                <p:cond evt="onNext" delay="0">
-                  <p:tgtEl>
-                    <p:sldTgt/>
-                  </p:tgtEl>
-                </p:cond>
-              </p:nextCondLst>
-            </p:seq>
-          </p:childTnLst>
-        </p:cTn>
-      </p:par>
-    </p:tnLst>
-  </p:timing>
-</p:sld>
-</file>
-
 <file path=ppt/theme/theme1.xml><?xml version="1.0" encoding="utf-8"?>
 <a:theme xmlns:a="http://schemas.openxmlformats.org/drawingml/2006/main" name="Smuga">
   <a:themeElements>

--- a/lectures/EEG 02 narrow.pptx
+++ b/lectures/EEG 02 narrow.pptx
@@ -337,7 +337,7 @@
             <a:fld id="{B61BEF0D-F0BB-DE4B-95CE-6DB70DBA9567}" type="datetimeFigureOut">
               <a:rPr lang="en-US" smtClean="0"/>
               <a:pPr/>
-              <a:t>5/11/2015</a:t>
+              <a:t>5/12/2015</a:t>
             </a:fld>
             <a:endParaRPr lang="en-US" dirty="0"/>
           </a:p>
@@ -671,7 +671,7 @@
             <a:fld id="{B61BEF0D-F0BB-DE4B-95CE-6DB70DBA9567}" type="datetimeFigureOut">
               <a:rPr lang="en-US" smtClean="0"/>
               <a:pPr/>
-              <a:t>5/11/2015</a:t>
+              <a:t>5/12/2015</a:t>
             </a:fld>
             <a:endParaRPr lang="en-US" dirty="0"/>
           </a:p>
@@ -1072,7 +1072,7 @@
             <a:fld id="{B61BEF0D-F0BB-DE4B-95CE-6DB70DBA9567}" type="datetimeFigureOut">
               <a:rPr lang="en-US" smtClean="0"/>
               <a:pPr/>
-              <a:t>5/11/2015</a:t>
+              <a:t>5/12/2015</a:t>
             </a:fld>
             <a:endParaRPr lang="en-US" dirty="0"/>
           </a:p>
@@ -1408,7 +1408,7 @@
             <a:fld id="{B61BEF0D-F0BB-DE4B-95CE-6DB70DBA9567}" type="datetimeFigureOut">
               <a:rPr lang="en-US" smtClean="0"/>
               <a:pPr/>
-              <a:t>5/11/2015</a:t>
+              <a:t>5/12/2015</a:t>
             </a:fld>
             <a:endParaRPr lang="en-US" dirty="0"/>
           </a:p>
@@ -1728,7 +1728,7 @@
             <a:fld id="{B61BEF0D-F0BB-DE4B-95CE-6DB70DBA9567}" type="datetimeFigureOut">
               <a:rPr lang="en-US" smtClean="0"/>
               <a:pPr/>
-              <a:t>5/11/2015</a:t>
+              <a:t>5/12/2015</a:t>
             </a:fld>
             <a:endParaRPr lang="en-US" dirty="0"/>
           </a:p>
@@ -2124,7 +2124,7 @@
             <a:fld id="{B61BEF0D-F0BB-DE4B-95CE-6DB70DBA9567}" type="datetimeFigureOut">
               <a:rPr lang="en-US" smtClean="0"/>
               <a:pPr/>
-              <a:t>5/11/2015</a:t>
+              <a:t>5/12/2015</a:t>
             </a:fld>
             <a:endParaRPr lang="en-US" dirty="0"/>
           </a:p>
@@ -2381,7 +2381,7 @@
             <a:fld id="{B61BEF0D-F0BB-DE4B-95CE-6DB70DBA9567}" type="datetimeFigureOut">
               <a:rPr lang="en-US" smtClean="0"/>
               <a:pPr/>
-              <a:t>5/11/2015</a:t>
+              <a:t>5/12/2015</a:t>
             </a:fld>
             <a:endParaRPr lang="en-US" dirty="0"/>
           </a:p>
@@ -2643,7 +2643,7 @@
             <a:fld id="{B61BEF0D-F0BB-DE4B-95CE-6DB70DBA9567}" type="datetimeFigureOut">
               <a:rPr lang="en-US" smtClean="0"/>
               <a:pPr/>
-              <a:t>5/11/2015</a:t>
+              <a:t>5/12/2015</a:t>
             </a:fld>
             <a:endParaRPr lang="en-US" dirty="0"/>
           </a:p>
@@ -2905,7 +2905,7 @@
             <a:fld id="{B61BEF0D-F0BB-DE4B-95CE-6DB70DBA9567}" type="datetimeFigureOut">
               <a:rPr lang="en-US" smtClean="0"/>
               <a:pPr/>
-              <a:t>5/11/2015</a:t>
+              <a:t>5/12/2015</a:t>
             </a:fld>
             <a:endParaRPr lang="en-US" dirty="0"/>
           </a:p>
@@ -3234,7 +3234,7 @@
             <a:fld id="{B61BEF0D-F0BB-DE4B-95CE-6DB70DBA9567}" type="datetimeFigureOut">
               <a:rPr lang="en-US" smtClean="0"/>
               <a:pPr/>
-              <a:t>5/11/2015</a:t>
+              <a:t>5/12/2015</a:t>
             </a:fld>
             <a:endParaRPr lang="en-US" dirty="0"/>
           </a:p>
@@ -3557,7 +3557,7 @@
             <a:fld id="{B61BEF0D-F0BB-DE4B-95CE-6DB70DBA9567}" type="datetimeFigureOut">
               <a:rPr lang="en-US" smtClean="0"/>
               <a:pPr/>
-              <a:t>5/11/2015</a:t>
+              <a:t>5/12/2015</a:t>
             </a:fld>
             <a:endParaRPr lang="en-US" dirty="0"/>
           </a:p>
@@ -4014,7 +4014,7 @@
             <a:fld id="{B61BEF0D-F0BB-DE4B-95CE-6DB70DBA9567}" type="datetimeFigureOut">
               <a:rPr lang="en-US" smtClean="0"/>
               <a:pPr/>
-              <a:t>5/11/2015</a:t>
+              <a:t>5/12/2015</a:t>
             </a:fld>
             <a:endParaRPr lang="en-US" dirty="0"/>
           </a:p>
@@ -4224,7 +4224,7 @@
             <a:fld id="{B61BEF0D-F0BB-DE4B-95CE-6DB70DBA9567}" type="datetimeFigureOut">
               <a:rPr lang="en-US" smtClean="0"/>
               <a:pPr/>
-              <a:t>5/11/2015</a:t>
+              <a:t>5/12/2015</a:t>
             </a:fld>
             <a:endParaRPr lang="en-US" dirty="0"/>
           </a:p>
@@ -4401,7 +4401,7 @@
             <a:fld id="{B61BEF0D-F0BB-DE4B-95CE-6DB70DBA9567}" type="datetimeFigureOut">
               <a:rPr lang="en-US" smtClean="0"/>
               <a:pPr/>
-              <a:t>5/11/2015</a:t>
+              <a:t>5/12/2015</a:t>
             </a:fld>
             <a:endParaRPr lang="en-US" dirty="0"/>
           </a:p>
@@ -4734,7 +4734,7 @@
             <a:fld id="{B61BEF0D-F0BB-DE4B-95CE-6DB70DBA9567}" type="datetimeFigureOut">
               <a:rPr lang="en-US" smtClean="0"/>
               <a:pPr/>
-              <a:t>5/11/2015</a:t>
+              <a:t>5/12/2015</a:t>
             </a:fld>
             <a:endParaRPr lang="en-US" dirty="0"/>
           </a:p>
@@ -5079,7 +5079,7 @@
             <a:fld id="{B61BEF0D-F0BB-DE4B-95CE-6DB70DBA9567}" type="datetimeFigureOut">
               <a:rPr lang="en-US" smtClean="0"/>
               <a:pPr/>
-              <a:t>5/11/2015</a:t>
+              <a:t>5/12/2015</a:t>
             </a:fld>
             <a:endParaRPr lang="en-US" dirty="0"/>
           </a:p>
@@ -7196,7 +7196,7 @@
             <a:fld id="{B61BEF0D-F0BB-DE4B-95CE-6DB70DBA9567}" type="datetimeFigureOut">
               <a:rPr lang="en-US" smtClean="0"/>
               <a:pPr/>
-              <a:t>5/11/2015</a:t>
+              <a:t>5/12/2015</a:t>
             </a:fld>
             <a:endParaRPr lang="en-US" dirty="0"/>
           </a:p>
@@ -8217,11 +8217,7 @@
           <a:p>
             <a:r>
               <a:rPr lang="pl-PL" dirty="0" smtClean="0"/>
-              <a:t>Wczytywanie informacj</a:t>
-            </a:r>
-            <a:r>
-              <a:rPr lang="pl-PL" dirty="0" smtClean="0"/>
-              <a:t>i o pozycji elektrod </a:t>
+              <a:t>Wczytywanie informacji o pozycji elektrod </a:t>
             </a:r>
             <a:r>
               <a:rPr lang="pl-PL" dirty="0" err="1" smtClean="0"/>
@@ -8450,6 +8446,30 @@
           </a:p>
         </p:txBody>
       </p:sp>
+      <p:pic>
+        <p:nvPicPr>
+          <p:cNvPr id="3" name="Obraz 2"/>
+          <p:cNvPicPr>
+            <a:picLocks noChangeAspect="1"/>
+          </p:cNvPicPr>
+          <p:nvPr/>
+        </p:nvPicPr>
+        <p:blipFill>
+          <a:blip r:embed="rId4"/>
+          <a:stretch>
+            <a:fillRect/>
+          </a:stretch>
+        </p:blipFill>
+        <p:spPr>
+          <a:xfrm>
+            <a:off x="2482135" y="1881654"/>
+            <a:ext cx="4845944" cy="4370407"/>
+          </a:xfrm>
+          <a:prstGeom prst="rect">
+            <a:avLst/>
+          </a:prstGeom>
+        </p:spPr>
+      </p:pic>
     </p:spTree>
     <p:extLst>
       <p:ext uri="{BB962C8B-B14F-4D97-AF65-F5344CB8AC3E}">
@@ -8940,9 +8960,795 @@
   <p:timing>
     <p:tnLst>
       <p:par>
-        <p:cTn id="1" dur="indefinite" restart="never" nodeType="tmRoot"/>
+        <p:cTn id="1" dur="indefinite" restart="never" nodeType="tmRoot">
+          <p:childTnLst>
+            <p:seq concurrent="1" nextAc="seek">
+              <p:cTn id="2" dur="indefinite" nodeType="mainSeq">
+                <p:childTnLst>
+                  <p:par>
+                    <p:cTn id="3" fill="hold">
+                      <p:stCondLst>
+                        <p:cond delay="indefinite"/>
+                      </p:stCondLst>
+                      <p:childTnLst>
+                        <p:par>
+                          <p:cTn id="4" fill="hold">
+                            <p:stCondLst>
+                              <p:cond delay="0"/>
+                            </p:stCondLst>
+                            <p:childTnLst>
+                              <p:par>
+                                <p:cTn id="5" presetID="53" presetClass="entr" presetSubtype="16" fill="hold" grpId="0" nodeType="clickEffect">
+                                  <p:stCondLst>
+                                    <p:cond delay="0"/>
+                                  </p:stCondLst>
+                                  <p:childTnLst>
+                                    <p:set>
+                                      <p:cBhvr>
+                                        <p:cTn id="6" dur="1" fill="hold">
+                                          <p:stCondLst>
+                                            <p:cond delay="0"/>
+                                          </p:stCondLst>
+                                        </p:cTn>
+                                        <p:tgtEl>
+                                          <p:spTgt spid="5"/>
+                                        </p:tgtEl>
+                                        <p:attrNameLst>
+                                          <p:attrName>style.visibility</p:attrName>
+                                        </p:attrNameLst>
+                                      </p:cBhvr>
+                                      <p:to>
+                                        <p:strVal val="visible"/>
+                                      </p:to>
+                                    </p:set>
+                                    <p:anim calcmode="lin" valueType="num">
+                                      <p:cBhvr>
+                                        <p:cTn id="7" dur="500" fill="hold"/>
+                                        <p:tgtEl>
+                                          <p:spTgt spid="5"/>
+                                        </p:tgtEl>
+                                        <p:attrNameLst>
+                                          <p:attrName>ppt_w</p:attrName>
+                                        </p:attrNameLst>
+                                      </p:cBhvr>
+                                      <p:tavLst>
+                                        <p:tav tm="0">
+                                          <p:val>
+                                            <p:fltVal val="0"/>
+                                          </p:val>
+                                        </p:tav>
+                                        <p:tav tm="100000">
+                                          <p:val>
+                                            <p:strVal val="#ppt_w"/>
+                                          </p:val>
+                                        </p:tav>
+                                      </p:tavLst>
+                                    </p:anim>
+                                    <p:anim calcmode="lin" valueType="num">
+                                      <p:cBhvr>
+                                        <p:cTn id="8" dur="500" fill="hold"/>
+                                        <p:tgtEl>
+                                          <p:spTgt spid="5"/>
+                                        </p:tgtEl>
+                                        <p:attrNameLst>
+                                          <p:attrName>ppt_h</p:attrName>
+                                        </p:attrNameLst>
+                                      </p:cBhvr>
+                                      <p:tavLst>
+                                        <p:tav tm="0">
+                                          <p:val>
+                                            <p:fltVal val="0"/>
+                                          </p:val>
+                                        </p:tav>
+                                        <p:tav tm="100000">
+                                          <p:val>
+                                            <p:strVal val="#ppt_h"/>
+                                          </p:val>
+                                        </p:tav>
+                                      </p:tavLst>
+                                    </p:anim>
+                                    <p:animEffect transition="in" filter="fade">
+                                      <p:cBhvr>
+                                        <p:cTn id="9" dur="500"/>
+                                        <p:tgtEl>
+                                          <p:spTgt spid="5"/>
+                                        </p:tgtEl>
+                                      </p:cBhvr>
+                                    </p:animEffect>
+                                  </p:childTnLst>
+                                </p:cTn>
+                              </p:par>
+                            </p:childTnLst>
+                          </p:cTn>
+                        </p:par>
+                        <p:par>
+                          <p:cTn id="10" fill="hold">
+                            <p:stCondLst>
+                              <p:cond delay="500"/>
+                            </p:stCondLst>
+                            <p:childTnLst>
+                              <p:par>
+                                <p:cTn id="11" presetID="22" presetClass="entr" presetSubtype="8" fill="hold" grpId="0" nodeType="afterEffect">
+                                  <p:stCondLst>
+                                    <p:cond delay="0"/>
+                                  </p:stCondLst>
+                                  <p:childTnLst>
+                                    <p:set>
+                                      <p:cBhvr>
+                                        <p:cTn id="12" dur="1" fill="hold">
+                                          <p:stCondLst>
+                                            <p:cond delay="0"/>
+                                          </p:stCondLst>
+                                        </p:cTn>
+                                        <p:tgtEl>
+                                          <p:spTgt spid="7">
+                                            <p:txEl>
+                                              <p:pRg st="0" end="0"/>
+                                            </p:txEl>
+                                          </p:spTgt>
+                                        </p:tgtEl>
+                                        <p:attrNameLst>
+                                          <p:attrName>style.visibility</p:attrName>
+                                        </p:attrNameLst>
+                                      </p:cBhvr>
+                                      <p:to>
+                                        <p:strVal val="visible"/>
+                                      </p:to>
+                                    </p:set>
+                                    <p:animEffect transition="in" filter="wipe(left)">
+                                      <p:cBhvr>
+                                        <p:cTn id="13" dur="500"/>
+                                        <p:tgtEl>
+                                          <p:spTgt spid="7">
+                                            <p:txEl>
+                                              <p:pRg st="0" end="0"/>
+                                            </p:txEl>
+                                          </p:spTgt>
+                                        </p:tgtEl>
+                                      </p:cBhvr>
+                                    </p:animEffect>
+                                  </p:childTnLst>
+                                </p:cTn>
+                              </p:par>
+                            </p:childTnLst>
+                          </p:cTn>
+                        </p:par>
+                      </p:childTnLst>
+                    </p:cTn>
+                  </p:par>
+                  <p:par>
+                    <p:cTn id="14" fill="hold">
+                      <p:stCondLst>
+                        <p:cond delay="indefinite"/>
+                      </p:stCondLst>
+                      <p:childTnLst>
+                        <p:par>
+                          <p:cTn id="15" fill="hold">
+                            <p:stCondLst>
+                              <p:cond delay="0"/>
+                            </p:stCondLst>
+                            <p:childTnLst>
+                              <p:par>
+                                <p:cTn id="16" presetID="53" presetClass="entr" presetSubtype="16" fill="hold" grpId="0" nodeType="clickEffect">
+                                  <p:stCondLst>
+                                    <p:cond delay="0"/>
+                                  </p:stCondLst>
+                                  <p:childTnLst>
+                                    <p:set>
+                                      <p:cBhvr>
+                                        <p:cTn id="17" dur="1" fill="hold">
+                                          <p:stCondLst>
+                                            <p:cond delay="0"/>
+                                          </p:stCondLst>
+                                        </p:cTn>
+                                        <p:tgtEl>
+                                          <p:spTgt spid="16"/>
+                                        </p:tgtEl>
+                                        <p:attrNameLst>
+                                          <p:attrName>style.visibility</p:attrName>
+                                        </p:attrNameLst>
+                                      </p:cBhvr>
+                                      <p:to>
+                                        <p:strVal val="visible"/>
+                                      </p:to>
+                                    </p:set>
+                                    <p:anim calcmode="lin" valueType="num">
+                                      <p:cBhvr>
+                                        <p:cTn id="18" dur="500" fill="hold"/>
+                                        <p:tgtEl>
+                                          <p:spTgt spid="16"/>
+                                        </p:tgtEl>
+                                        <p:attrNameLst>
+                                          <p:attrName>ppt_w</p:attrName>
+                                        </p:attrNameLst>
+                                      </p:cBhvr>
+                                      <p:tavLst>
+                                        <p:tav tm="0">
+                                          <p:val>
+                                            <p:fltVal val="0"/>
+                                          </p:val>
+                                        </p:tav>
+                                        <p:tav tm="100000">
+                                          <p:val>
+                                            <p:strVal val="#ppt_w"/>
+                                          </p:val>
+                                        </p:tav>
+                                      </p:tavLst>
+                                    </p:anim>
+                                    <p:anim calcmode="lin" valueType="num">
+                                      <p:cBhvr>
+                                        <p:cTn id="19" dur="500" fill="hold"/>
+                                        <p:tgtEl>
+                                          <p:spTgt spid="16"/>
+                                        </p:tgtEl>
+                                        <p:attrNameLst>
+                                          <p:attrName>ppt_h</p:attrName>
+                                        </p:attrNameLst>
+                                      </p:cBhvr>
+                                      <p:tavLst>
+                                        <p:tav tm="0">
+                                          <p:val>
+                                            <p:fltVal val="0"/>
+                                          </p:val>
+                                        </p:tav>
+                                        <p:tav tm="100000">
+                                          <p:val>
+                                            <p:strVal val="#ppt_h"/>
+                                          </p:val>
+                                        </p:tav>
+                                      </p:tavLst>
+                                    </p:anim>
+                                    <p:animEffect transition="in" filter="fade">
+                                      <p:cBhvr>
+                                        <p:cTn id="20" dur="500"/>
+                                        <p:tgtEl>
+                                          <p:spTgt spid="16"/>
+                                        </p:tgtEl>
+                                      </p:cBhvr>
+                                    </p:animEffect>
+                                  </p:childTnLst>
+                                </p:cTn>
+                              </p:par>
+                            </p:childTnLst>
+                          </p:cTn>
+                        </p:par>
+                        <p:par>
+                          <p:cTn id="21" fill="hold">
+                            <p:stCondLst>
+                              <p:cond delay="500"/>
+                            </p:stCondLst>
+                            <p:childTnLst>
+                              <p:par>
+                                <p:cTn id="22" presetID="22" presetClass="entr" presetSubtype="8" fill="hold" grpId="0" nodeType="afterEffect">
+                                  <p:stCondLst>
+                                    <p:cond delay="0"/>
+                                  </p:stCondLst>
+                                  <p:childTnLst>
+                                    <p:set>
+                                      <p:cBhvr>
+                                        <p:cTn id="23" dur="1" fill="hold">
+                                          <p:stCondLst>
+                                            <p:cond delay="0"/>
+                                          </p:stCondLst>
+                                        </p:cTn>
+                                        <p:tgtEl>
+                                          <p:spTgt spid="7">
+                                            <p:txEl>
+                                              <p:pRg st="1" end="1"/>
+                                            </p:txEl>
+                                          </p:spTgt>
+                                        </p:tgtEl>
+                                        <p:attrNameLst>
+                                          <p:attrName>style.visibility</p:attrName>
+                                        </p:attrNameLst>
+                                      </p:cBhvr>
+                                      <p:to>
+                                        <p:strVal val="visible"/>
+                                      </p:to>
+                                    </p:set>
+                                    <p:animEffect transition="in" filter="wipe(left)">
+                                      <p:cBhvr>
+                                        <p:cTn id="24" dur="500"/>
+                                        <p:tgtEl>
+                                          <p:spTgt spid="7">
+                                            <p:txEl>
+                                              <p:pRg st="1" end="1"/>
+                                            </p:txEl>
+                                          </p:spTgt>
+                                        </p:tgtEl>
+                                      </p:cBhvr>
+                                    </p:animEffect>
+                                  </p:childTnLst>
+                                </p:cTn>
+                              </p:par>
+                            </p:childTnLst>
+                          </p:cTn>
+                        </p:par>
+                      </p:childTnLst>
+                    </p:cTn>
+                  </p:par>
+                  <p:par>
+                    <p:cTn id="25" fill="hold">
+                      <p:stCondLst>
+                        <p:cond delay="indefinite"/>
+                      </p:stCondLst>
+                      <p:childTnLst>
+                        <p:par>
+                          <p:cTn id="26" fill="hold">
+                            <p:stCondLst>
+                              <p:cond delay="0"/>
+                            </p:stCondLst>
+                            <p:childTnLst>
+                              <p:par>
+                                <p:cTn id="27" presetID="53" presetClass="entr" presetSubtype="16" fill="hold" grpId="0" nodeType="clickEffect">
+                                  <p:stCondLst>
+                                    <p:cond delay="0"/>
+                                  </p:stCondLst>
+                                  <p:childTnLst>
+                                    <p:set>
+                                      <p:cBhvr>
+                                        <p:cTn id="28" dur="1" fill="hold">
+                                          <p:stCondLst>
+                                            <p:cond delay="0"/>
+                                          </p:stCondLst>
+                                        </p:cTn>
+                                        <p:tgtEl>
+                                          <p:spTgt spid="17"/>
+                                        </p:tgtEl>
+                                        <p:attrNameLst>
+                                          <p:attrName>style.visibility</p:attrName>
+                                        </p:attrNameLst>
+                                      </p:cBhvr>
+                                      <p:to>
+                                        <p:strVal val="visible"/>
+                                      </p:to>
+                                    </p:set>
+                                    <p:anim calcmode="lin" valueType="num">
+                                      <p:cBhvr>
+                                        <p:cTn id="29" dur="500" fill="hold"/>
+                                        <p:tgtEl>
+                                          <p:spTgt spid="17"/>
+                                        </p:tgtEl>
+                                        <p:attrNameLst>
+                                          <p:attrName>ppt_w</p:attrName>
+                                        </p:attrNameLst>
+                                      </p:cBhvr>
+                                      <p:tavLst>
+                                        <p:tav tm="0">
+                                          <p:val>
+                                            <p:fltVal val="0"/>
+                                          </p:val>
+                                        </p:tav>
+                                        <p:tav tm="100000">
+                                          <p:val>
+                                            <p:strVal val="#ppt_w"/>
+                                          </p:val>
+                                        </p:tav>
+                                      </p:tavLst>
+                                    </p:anim>
+                                    <p:anim calcmode="lin" valueType="num">
+                                      <p:cBhvr>
+                                        <p:cTn id="30" dur="500" fill="hold"/>
+                                        <p:tgtEl>
+                                          <p:spTgt spid="17"/>
+                                        </p:tgtEl>
+                                        <p:attrNameLst>
+                                          <p:attrName>ppt_h</p:attrName>
+                                        </p:attrNameLst>
+                                      </p:cBhvr>
+                                      <p:tavLst>
+                                        <p:tav tm="0">
+                                          <p:val>
+                                            <p:fltVal val="0"/>
+                                          </p:val>
+                                        </p:tav>
+                                        <p:tav tm="100000">
+                                          <p:val>
+                                            <p:strVal val="#ppt_h"/>
+                                          </p:val>
+                                        </p:tav>
+                                      </p:tavLst>
+                                    </p:anim>
+                                    <p:animEffect transition="in" filter="fade">
+                                      <p:cBhvr>
+                                        <p:cTn id="31" dur="500"/>
+                                        <p:tgtEl>
+                                          <p:spTgt spid="17"/>
+                                        </p:tgtEl>
+                                      </p:cBhvr>
+                                    </p:animEffect>
+                                  </p:childTnLst>
+                                </p:cTn>
+                              </p:par>
+                            </p:childTnLst>
+                          </p:cTn>
+                        </p:par>
+                        <p:par>
+                          <p:cTn id="32" fill="hold">
+                            <p:stCondLst>
+                              <p:cond delay="500"/>
+                            </p:stCondLst>
+                            <p:childTnLst>
+                              <p:par>
+                                <p:cTn id="33" presetID="22" presetClass="entr" presetSubtype="8" fill="hold" grpId="0" nodeType="afterEffect">
+                                  <p:stCondLst>
+                                    <p:cond delay="0"/>
+                                  </p:stCondLst>
+                                  <p:childTnLst>
+                                    <p:set>
+                                      <p:cBhvr>
+                                        <p:cTn id="34" dur="1" fill="hold">
+                                          <p:stCondLst>
+                                            <p:cond delay="0"/>
+                                          </p:stCondLst>
+                                        </p:cTn>
+                                        <p:tgtEl>
+                                          <p:spTgt spid="7">
+                                            <p:txEl>
+                                              <p:pRg st="2" end="2"/>
+                                            </p:txEl>
+                                          </p:spTgt>
+                                        </p:tgtEl>
+                                        <p:attrNameLst>
+                                          <p:attrName>style.visibility</p:attrName>
+                                        </p:attrNameLst>
+                                      </p:cBhvr>
+                                      <p:to>
+                                        <p:strVal val="visible"/>
+                                      </p:to>
+                                    </p:set>
+                                    <p:animEffect transition="in" filter="wipe(left)">
+                                      <p:cBhvr>
+                                        <p:cTn id="35" dur="500"/>
+                                        <p:tgtEl>
+                                          <p:spTgt spid="7">
+                                            <p:txEl>
+                                              <p:pRg st="2" end="2"/>
+                                            </p:txEl>
+                                          </p:spTgt>
+                                        </p:tgtEl>
+                                      </p:cBhvr>
+                                    </p:animEffect>
+                                  </p:childTnLst>
+                                </p:cTn>
+                              </p:par>
+                            </p:childTnLst>
+                          </p:cTn>
+                        </p:par>
+                      </p:childTnLst>
+                    </p:cTn>
+                  </p:par>
+                  <p:par>
+                    <p:cTn id="36" fill="hold">
+                      <p:stCondLst>
+                        <p:cond delay="indefinite"/>
+                      </p:stCondLst>
+                      <p:childTnLst>
+                        <p:par>
+                          <p:cTn id="37" fill="hold">
+                            <p:stCondLst>
+                              <p:cond delay="0"/>
+                            </p:stCondLst>
+                            <p:childTnLst>
+                              <p:par>
+                                <p:cTn id="38" presetID="53" presetClass="entr" presetSubtype="16" fill="hold" grpId="0" nodeType="clickEffect">
+                                  <p:stCondLst>
+                                    <p:cond delay="0"/>
+                                  </p:stCondLst>
+                                  <p:childTnLst>
+                                    <p:set>
+                                      <p:cBhvr>
+                                        <p:cTn id="39" dur="1" fill="hold">
+                                          <p:stCondLst>
+                                            <p:cond delay="0"/>
+                                          </p:stCondLst>
+                                        </p:cTn>
+                                        <p:tgtEl>
+                                          <p:spTgt spid="19"/>
+                                        </p:tgtEl>
+                                        <p:attrNameLst>
+                                          <p:attrName>style.visibility</p:attrName>
+                                        </p:attrNameLst>
+                                      </p:cBhvr>
+                                      <p:to>
+                                        <p:strVal val="visible"/>
+                                      </p:to>
+                                    </p:set>
+                                    <p:anim calcmode="lin" valueType="num">
+                                      <p:cBhvr>
+                                        <p:cTn id="40" dur="500" fill="hold"/>
+                                        <p:tgtEl>
+                                          <p:spTgt spid="19"/>
+                                        </p:tgtEl>
+                                        <p:attrNameLst>
+                                          <p:attrName>ppt_w</p:attrName>
+                                        </p:attrNameLst>
+                                      </p:cBhvr>
+                                      <p:tavLst>
+                                        <p:tav tm="0">
+                                          <p:val>
+                                            <p:fltVal val="0"/>
+                                          </p:val>
+                                        </p:tav>
+                                        <p:tav tm="100000">
+                                          <p:val>
+                                            <p:strVal val="#ppt_w"/>
+                                          </p:val>
+                                        </p:tav>
+                                      </p:tavLst>
+                                    </p:anim>
+                                    <p:anim calcmode="lin" valueType="num">
+                                      <p:cBhvr>
+                                        <p:cTn id="41" dur="500" fill="hold"/>
+                                        <p:tgtEl>
+                                          <p:spTgt spid="19"/>
+                                        </p:tgtEl>
+                                        <p:attrNameLst>
+                                          <p:attrName>ppt_h</p:attrName>
+                                        </p:attrNameLst>
+                                      </p:cBhvr>
+                                      <p:tavLst>
+                                        <p:tav tm="0">
+                                          <p:val>
+                                            <p:fltVal val="0"/>
+                                          </p:val>
+                                        </p:tav>
+                                        <p:tav tm="100000">
+                                          <p:val>
+                                            <p:strVal val="#ppt_h"/>
+                                          </p:val>
+                                        </p:tav>
+                                      </p:tavLst>
+                                    </p:anim>
+                                    <p:animEffect transition="in" filter="fade">
+                                      <p:cBhvr>
+                                        <p:cTn id="42" dur="500"/>
+                                        <p:tgtEl>
+                                          <p:spTgt spid="19"/>
+                                        </p:tgtEl>
+                                      </p:cBhvr>
+                                    </p:animEffect>
+                                  </p:childTnLst>
+                                </p:cTn>
+                              </p:par>
+                            </p:childTnLst>
+                          </p:cTn>
+                        </p:par>
+                        <p:par>
+                          <p:cTn id="43" fill="hold">
+                            <p:stCondLst>
+                              <p:cond delay="500"/>
+                            </p:stCondLst>
+                            <p:childTnLst>
+                              <p:par>
+                                <p:cTn id="44" presetID="22" presetClass="entr" presetSubtype="8" fill="hold" grpId="0" nodeType="afterEffect">
+                                  <p:stCondLst>
+                                    <p:cond delay="0"/>
+                                  </p:stCondLst>
+                                  <p:childTnLst>
+                                    <p:set>
+                                      <p:cBhvr>
+                                        <p:cTn id="45" dur="1" fill="hold">
+                                          <p:stCondLst>
+                                            <p:cond delay="0"/>
+                                          </p:stCondLst>
+                                        </p:cTn>
+                                        <p:tgtEl>
+                                          <p:spTgt spid="7">
+                                            <p:txEl>
+                                              <p:pRg st="3" end="3"/>
+                                            </p:txEl>
+                                          </p:spTgt>
+                                        </p:tgtEl>
+                                        <p:attrNameLst>
+                                          <p:attrName>style.visibility</p:attrName>
+                                        </p:attrNameLst>
+                                      </p:cBhvr>
+                                      <p:to>
+                                        <p:strVal val="visible"/>
+                                      </p:to>
+                                    </p:set>
+                                    <p:animEffect transition="in" filter="wipe(left)">
+                                      <p:cBhvr>
+                                        <p:cTn id="46" dur="500"/>
+                                        <p:tgtEl>
+                                          <p:spTgt spid="7">
+                                            <p:txEl>
+                                              <p:pRg st="3" end="3"/>
+                                            </p:txEl>
+                                          </p:spTgt>
+                                        </p:tgtEl>
+                                      </p:cBhvr>
+                                    </p:animEffect>
+                                  </p:childTnLst>
+                                </p:cTn>
+                              </p:par>
+                            </p:childTnLst>
+                          </p:cTn>
+                        </p:par>
+                      </p:childTnLst>
+                    </p:cTn>
+                  </p:par>
+                  <p:par>
+                    <p:cTn id="47" fill="hold">
+                      <p:stCondLst>
+                        <p:cond delay="indefinite"/>
+                      </p:stCondLst>
+                      <p:childTnLst>
+                        <p:par>
+                          <p:cTn id="48" fill="hold">
+                            <p:stCondLst>
+                              <p:cond delay="0"/>
+                            </p:stCondLst>
+                            <p:childTnLst>
+                              <p:par>
+                                <p:cTn id="49" presetID="53" presetClass="entr" presetSubtype="16" fill="hold" grpId="0" nodeType="clickEffect">
+                                  <p:stCondLst>
+                                    <p:cond delay="0"/>
+                                  </p:stCondLst>
+                                  <p:childTnLst>
+                                    <p:set>
+                                      <p:cBhvr>
+                                        <p:cTn id="50" dur="1" fill="hold">
+                                          <p:stCondLst>
+                                            <p:cond delay="0"/>
+                                          </p:stCondLst>
+                                        </p:cTn>
+                                        <p:tgtEl>
+                                          <p:spTgt spid="20"/>
+                                        </p:tgtEl>
+                                        <p:attrNameLst>
+                                          <p:attrName>style.visibility</p:attrName>
+                                        </p:attrNameLst>
+                                      </p:cBhvr>
+                                      <p:to>
+                                        <p:strVal val="visible"/>
+                                      </p:to>
+                                    </p:set>
+                                    <p:anim calcmode="lin" valueType="num">
+                                      <p:cBhvr>
+                                        <p:cTn id="51" dur="500" fill="hold"/>
+                                        <p:tgtEl>
+                                          <p:spTgt spid="20"/>
+                                        </p:tgtEl>
+                                        <p:attrNameLst>
+                                          <p:attrName>ppt_w</p:attrName>
+                                        </p:attrNameLst>
+                                      </p:cBhvr>
+                                      <p:tavLst>
+                                        <p:tav tm="0">
+                                          <p:val>
+                                            <p:fltVal val="0"/>
+                                          </p:val>
+                                        </p:tav>
+                                        <p:tav tm="100000">
+                                          <p:val>
+                                            <p:strVal val="#ppt_w"/>
+                                          </p:val>
+                                        </p:tav>
+                                      </p:tavLst>
+                                    </p:anim>
+                                    <p:anim calcmode="lin" valueType="num">
+                                      <p:cBhvr>
+                                        <p:cTn id="52" dur="500" fill="hold"/>
+                                        <p:tgtEl>
+                                          <p:spTgt spid="20"/>
+                                        </p:tgtEl>
+                                        <p:attrNameLst>
+                                          <p:attrName>ppt_h</p:attrName>
+                                        </p:attrNameLst>
+                                      </p:cBhvr>
+                                      <p:tavLst>
+                                        <p:tav tm="0">
+                                          <p:val>
+                                            <p:fltVal val="0"/>
+                                          </p:val>
+                                        </p:tav>
+                                        <p:tav tm="100000">
+                                          <p:val>
+                                            <p:strVal val="#ppt_h"/>
+                                          </p:val>
+                                        </p:tav>
+                                      </p:tavLst>
+                                    </p:anim>
+                                    <p:animEffect transition="in" filter="fade">
+                                      <p:cBhvr>
+                                        <p:cTn id="53" dur="500"/>
+                                        <p:tgtEl>
+                                          <p:spTgt spid="20"/>
+                                        </p:tgtEl>
+                                      </p:cBhvr>
+                                    </p:animEffect>
+                                  </p:childTnLst>
+                                </p:cTn>
+                              </p:par>
+                            </p:childTnLst>
+                          </p:cTn>
+                        </p:par>
+                        <p:par>
+                          <p:cTn id="54" fill="hold">
+                            <p:stCondLst>
+                              <p:cond delay="500"/>
+                            </p:stCondLst>
+                            <p:childTnLst>
+                              <p:par>
+                                <p:cTn id="55" presetID="22" presetClass="entr" presetSubtype="8" fill="hold" grpId="0" nodeType="afterEffect">
+                                  <p:stCondLst>
+                                    <p:cond delay="0"/>
+                                  </p:stCondLst>
+                                  <p:childTnLst>
+                                    <p:set>
+                                      <p:cBhvr>
+                                        <p:cTn id="56" dur="1" fill="hold">
+                                          <p:stCondLst>
+                                            <p:cond delay="0"/>
+                                          </p:stCondLst>
+                                        </p:cTn>
+                                        <p:tgtEl>
+                                          <p:spTgt spid="7">
+                                            <p:txEl>
+                                              <p:pRg st="4" end="4"/>
+                                            </p:txEl>
+                                          </p:spTgt>
+                                        </p:tgtEl>
+                                        <p:attrNameLst>
+                                          <p:attrName>style.visibility</p:attrName>
+                                        </p:attrNameLst>
+                                      </p:cBhvr>
+                                      <p:to>
+                                        <p:strVal val="visible"/>
+                                      </p:to>
+                                    </p:set>
+                                    <p:animEffect transition="in" filter="wipe(left)">
+                                      <p:cBhvr>
+                                        <p:cTn id="57" dur="500"/>
+                                        <p:tgtEl>
+                                          <p:spTgt spid="7">
+                                            <p:txEl>
+                                              <p:pRg st="4" end="4"/>
+                                            </p:txEl>
+                                          </p:spTgt>
+                                        </p:tgtEl>
+                                      </p:cBhvr>
+                                    </p:animEffect>
+                                  </p:childTnLst>
+                                </p:cTn>
+                              </p:par>
+                            </p:childTnLst>
+                          </p:cTn>
+                        </p:par>
+                      </p:childTnLst>
+                    </p:cTn>
+                  </p:par>
+                </p:childTnLst>
+              </p:cTn>
+              <p:prevCondLst>
+                <p:cond evt="onPrev" delay="0">
+                  <p:tgtEl>
+                    <p:sldTgt/>
+                  </p:tgtEl>
+                </p:cond>
+              </p:prevCondLst>
+              <p:nextCondLst>
+                <p:cond evt="onNext" delay="0">
+                  <p:tgtEl>
+                    <p:sldTgt/>
+                  </p:tgtEl>
+                </p:cond>
+              </p:nextCondLst>
+            </p:seq>
+          </p:childTnLst>
+        </p:cTn>
       </p:par>
     </p:tnLst>
+    <p:bldLst>
+      <p:bldP spid="5" grpId="0" animBg="1"/>
+      <p:bldP spid="16" grpId="0" animBg="1"/>
+      <p:bldP spid="17" grpId="0" animBg="1"/>
+      <p:bldP spid="19" grpId="0" animBg="1"/>
+      <p:bldP spid="20" grpId="0" animBg="1"/>
+      <p:bldP spid="7" grpId="0" uiExpand="1" build="p"/>
+    </p:bldLst>
   </p:timing>
 </p:sld>
 </file>
